--- a/안소현/보고서/포인터레지스터.pptx
+++ b/안소현/보고서/포인터레지스터.pptx
@@ -222,7 +222,7 @@
           <a:p>
             <a:fld id="{D608FA7B-827C-4FE9-A78E-F53429730F5C}" type="datetimeFigureOut">
               <a:rPr lang="ko-KR" altLang="en-US" smtClean="0"/>
-              <a:t>2018-04-05</a:t>
+              <a:t>2018-04-12</a:t>
             </a:fld>
             <a:endParaRPr lang="ko-KR" altLang="en-US"/>
           </a:p>
@@ -534,552 +534,6 @@
           <a:bodyPr/>
           <a:lstStyle/>
           <a:p>
-            <a:pPr fontAlgn="base"/>
-            <a:r>
-              <a:rPr lang="en-US" altLang="ko-KR" sz="1200" b="0" i="0" kern="1200" dirty="0" smtClean="0">
-                <a:solidFill>
-                  <a:schemeClr val="tx1"/>
-                </a:solidFill>
-                <a:effectLst/>
-                <a:latin typeface="+mn-lt"/>
-                <a:ea typeface="+mn-ea"/>
-                <a:cs typeface="+mn-cs"/>
-              </a:rPr>
-              <a:t>32</a:t>
-            </a:r>
-            <a:r>
-              <a:rPr lang="ko-KR" altLang="en-US" sz="1200" b="0" i="0" kern="1200" dirty="0" smtClean="0">
-                <a:solidFill>
-                  <a:schemeClr val="tx1"/>
-                </a:solidFill>
-                <a:effectLst/>
-                <a:latin typeface="+mn-lt"/>
-                <a:ea typeface="+mn-ea"/>
-                <a:cs typeface="+mn-cs"/>
-              </a:rPr>
-              <a:t>비트 </a:t>
-            </a:r>
-            <a:r>
-              <a:rPr lang="ko-KR" altLang="en-US" sz="1200" b="0" i="0" kern="1200" dirty="0" err="1" smtClean="0">
-                <a:solidFill>
-                  <a:schemeClr val="tx1"/>
-                </a:solidFill>
-                <a:effectLst/>
-                <a:latin typeface="+mn-lt"/>
-                <a:ea typeface="+mn-ea"/>
-                <a:cs typeface="+mn-cs"/>
-              </a:rPr>
-              <a:t>아키텍쳐는</a:t>
-            </a:r>
-            <a:r>
-              <a:rPr lang="ko-KR" altLang="en-US" sz="1200" b="0" i="0" kern="1200" dirty="0" smtClean="0">
-                <a:solidFill>
-                  <a:schemeClr val="tx1"/>
-                </a:solidFill>
-                <a:effectLst/>
-                <a:latin typeface="+mn-lt"/>
-                <a:ea typeface="+mn-ea"/>
-                <a:cs typeface="+mn-cs"/>
-              </a:rPr>
-              <a:t>  </a:t>
-            </a:r>
-            <a:r>
-              <a:rPr lang="en-US" altLang="ko-KR" sz="1200" b="0" i="0" kern="1200" dirty="0" err="1" smtClean="0">
-                <a:solidFill>
-                  <a:schemeClr val="tx1"/>
-                </a:solidFill>
-                <a:effectLst/>
-                <a:latin typeface="+mn-lt"/>
-                <a:ea typeface="+mn-ea"/>
-                <a:cs typeface="+mn-cs"/>
-              </a:rPr>
-              <a:t>eax</a:t>
-            </a:r>
-            <a:r>
-              <a:rPr lang="en-US" altLang="ko-KR" sz="1200" b="0" i="0" kern="1200" dirty="0" smtClean="0">
-                <a:solidFill>
-                  <a:schemeClr val="tx1"/>
-                </a:solidFill>
-                <a:effectLst/>
-                <a:latin typeface="+mn-lt"/>
-                <a:ea typeface="+mn-ea"/>
-                <a:cs typeface="+mn-cs"/>
-              </a:rPr>
-              <a:t>, </a:t>
-            </a:r>
-            <a:r>
-              <a:rPr lang="en-US" altLang="ko-KR" sz="1200" b="0" i="0" kern="1200" dirty="0" err="1" smtClean="0">
-                <a:solidFill>
-                  <a:schemeClr val="tx1"/>
-                </a:solidFill>
-                <a:effectLst/>
-                <a:latin typeface="+mn-lt"/>
-                <a:ea typeface="+mn-ea"/>
-                <a:cs typeface="+mn-cs"/>
-              </a:rPr>
-              <a:t>ebx</a:t>
-            </a:r>
-            <a:r>
-              <a:rPr lang="en-US" altLang="ko-KR" sz="1200" b="0" i="0" kern="1200" dirty="0" smtClean="0">
-                <a:solidFill>
-                  <a:schemeClr val="tx1"/>
-                </a:solidFill>
-                <a:effectLst/>
-                <a:latin typeface="+mn-lt"/>
-                <a:ea typeface="+mn-ea"/>
-                <a:cs typeface="+mn-cs"/>
-              </a:rPr>
-              <a:t>, </a:t>
-            </a:r>
-            <a:r>
-              <a:rPr lang="en-US" altLang="ko-KR" sz="1200" b="0" i="0" kern="1200" dirty="0" err="1" smtClean="0">
-                <a:solidFill>
-                  <a:schemeClr val="tx1"/>
-                </a:solidFill>
-                <a:effectLst/>
-                <a:latin typeface="+mn-lt"/>
-                <a:ea typeface="+mn-ea"/>
-                <a:cs typeface="+mn-cs"/>
-              </a:rPr>
-              <a:t>ecx</a:t>
-            </a:r>
-            <a:r>
-              <a:rPr lang="en-US" altLang="ko-KR" sz="1200" b="0" i="0" kern="1200" dirty="0" smtClean="0">
-                <a:solidFill>
-                  <a:schemeClr val="tx1"/>
-                </a:solidFill>
-                <a:effectLst/>
-                <a:latin typeface="+mn-lt"/>
-                <a:ea typeface="+mn-ea"/>
-                <a:cs typeface="+mn-cs"/>
-              </a:rPr>
-              <a:t>, </a:t>
-            </a:r>
-            <a:r>
-              <a:rPr lang="en-US" altLang="ko-KR" sz="1200" b="0" i="0" kern="1200" dirty="0" err="1" smtClean="0">
-                <a:solidFill>
-                  <a:schemeClr val="tx1"/>
-                </a:solidFill>
-                <a:effectLst/>
-                <a:latin typeface="+mn-lt"/>
-                <a:ea typeface="+mn-ea"/>
-                <a:cs typeface="+mn-cs"/>
-              </a:rPr>
-              <a:t>edx</a:t>
-            </a:r>
-            <a:r>
-              <a:rPr lang="en-US" altLang="ko-KR" sz="1200" b="0" i="0" kern="1200" dirty="0" smtClean="0">
-                <a:solidFill>
-                  <a:schemeClr val="tx1"/>
-                </a:solidFill>
-                <a:effectLst/>
-                <a:latin typeface="+mn-lt"/>
-                <a:ea typeface="+mn-ea"/>
-                <a:cs typeface="+mn-cs"/>
-              </a:rPr>
-              <a:t>, </a:t>
-            </a:r>
-            <a:r>
-              <a:rPr lang="en-US" altLang="ko-KR" sz="1200" b="0" i="0" kern="1200" dirty="0" err="1" smtClean="0">
-                <a:solidFill>
-                  <a:schemeClr val="tx1"/>
-                </a:solidFill>
-                <a:effectLst/>
-                <a:latin typeface="+mn-lt"/>
-                <a:ea typeface="+mn-ea"/>
-                <a:cs typeface="+mn-cs"/>
-              </a:rPr>
-              <a:t>ebp</a:t>
-            </a:r>
-            <a:r>
-              <a:rPr lang="en-US" altLang="ko-KR" sz="1200" b="0" i="0" kern="1200" dirty="0" smtClean="0">
-                <a:solidFill>
-                  <a:schemeClr val="tx1"/>
-                </a:solidFill>
-                <a:effectLst/>
-                <a:latin typeface="+mn-lt"/>
-                <a:ea typeface="+mn-ea"/>
-                <a:cs typeface="+mn-cs"/>
-              </a:rPr>
-              <a:t>, </a:t>
-            </a:r>
-            <a:r>
-              <a:rPr lang="en-US" altLang="ko-KR" sz="1200" b="0" i="0" kern="1200" dirty="0" err="1" smtClean="0">
-                <a:solidFill>
-                  <a:schemeClr val="tx1"/>
-                </a:solidFill>
-                <a:effectLst/>
-                <a:latin typeface="+mn-lt"/>
-                <a:ea typeface="+mn-ea"/>
-                <a:cs typeface="+mn-cs"/>
-              </a:rPr>
-              <a:t>esp</a:t>
-            </a:r>
-            <a:r>
-              <a:rPr lang="en-US" altLang="ko-KR" sz="1200" b="0" i="0" kern="1200" dirty="0" smtClean="0">
-                <a:solidFill>
-                  <a:schemeClr val="tx1"/>
-                </a:solidFill>
-                <a:effectLst/>
-                <a:latin typeface="+mn-lt"/>
-                <a:ea typeface="+mn-ea"/>
-                <a:cs typeface="+mn-cs"/>
-              </a:rPr>
-              <a:t>, </a:t>
-            </a:r>
-            <a:r>
-              <a:rPr lang="en-US" altLang="ko-KR" sz="1200" b="0" i="0" kern="1200" dirty="0" err="1" smtClean="0">
-                <a:solidFill>
-                  <a:schemeClr val="tx1"/>
-                </a:solidFill>
-                <a:effectLst/>
-                <a:latin typeface="+mn-lt"/>
-                <a:ea typeface="+mn-ea"/>
-                <a:cs typeface="+mn-cs"/>
-              </a:rPr>
-              <a:t>esi</a:t>
-            </a:r>
-            <a:r>
-              <a:rPr lang="en-US" altLang="ko-KR" sz="1200" b="0" i="0" kern="1200" dirty="0" smtClean="0">
-                <a:solidFill>
-                  <a:schemeClr val="tx1"/>
-                </a:solidFill>
-                <a:effectLst/>
-                <a:latin typeface="+mn-lt"/>
-                <a:ea typeface="+mn-ea"/>
-                <a:cs typeface="+mn-cs"/>
-              </a:rPr>
-              <a:t>, </a:t>
-            </a:r>
-            <a:r>
-              <a:rPr lang="en-US" altLang="ko-KR" sz="1200" b="0" i="0" kern="1200" dirty="0" err="1" smtClean="0">
-                <a:solidFill>
-                  <a:schemeClr val="tx1"/>
-                </a:solidFill>
-                <a:effectLst/>
-                <a:latin typeface="+mn-lt"/>
-                <a:ea typeface="+mn-ea"/>
-                <a:cs typeface="+mn-cs"/>
-              </a:rPr>
-              <a:t>edi</a:t>
-            </a:r>
-            <a:r>
-              <a:rPr lang="en-US" altLang="ko-KR" sz="1200" b="0" i="0" kern="1200" dirty="0" smtClean="0">
-                <a:solidFill>
-                  <a:schemeClr val="tx1"/>
-                </a:solidFill>
-                <a:effectLst/>
-                <a:latin typeface="+mn-lt"/>
-                <a:ea typeface="+mn-ea"/>
-                <a:cs typeface="+mn-cs"/>
-              </a:rPr>
-              <a:t> </a:t>
-            </a:r>
-            <a:r>
-              <a:rPr lang="ko-KR" altLang="en-US" sz="1200" b="0" i="0" kern="1200" dirty="0" smtClean="0">
-                <a:solidFill>
-                  <a:schemeClr val="tx1"/>
-                </a:solidFill>
-                <a:effectLst/>
-                <a:latin typeface="+mn-lt"/>
-                <a:ea typeface="+mn-ea"/>
-                <a:cs typeface="+mn-cs"/>
-              </a:rPr>
-              <a:t>총 </a:t>
-            </a:r>
-            <a:r>
-              <a:rPr lang="en-US" altLang="ko-KR" sz="1200" b="0" i="0" kern="1200" dirty="0" smtClean="0">
-                <a:solidFill>
-                  <a:schemeClr val="tx1"/>
-                </a:solidFill>
-                <a:effectLst/>
-                <a:latin typeface="+mn-lt"/>
-                <a:ea typeface="+mn-ea"/>
-                <a:cs typeface="+mn-cs"/>
-              </a:rPr>
-              <a:t>8</a:t>
-            </a:r>
-            <a:r>
-              <a:rPr lang="ko-KR" altLang="en-US" sz="1200" b="0" i="0" kern="1200" dirty="0" smtClean="0">
-                <a:solidFill>
-                  <a:schemeClr val="tx1"/>
-                </a:solidFill>
-                <a:effectLst/>
-                <a:latin typeface="+mn-lt"/>
-                <a:ea typeface="+mn-ea"/>
-                <a:cs typeface="+mn-cs"/>
-              </a:rPr>
-              <a:t>개의 범용 레지스터가 있는데</a:t>
-            </a:r>
-          </a:p>
-          <a:p>
-            <a:pPr fontAlgn="base"/>
-            <a:r>
-              <a:rPr lang="en-US" altLang="ko-KR" sz="1200" b="0" i="0" kern="1200" dirty="0" smtClean="0">
-                <a:solidFill>
-                  <a:schemeClr val="tx1"/>
-                </a:solidFill>
-                <a:effectLst/>
-                <a:latin typeface="+mn-lt"/>
-                <a:ea typeface="+mn-ea"/>
-                <a:cs typeface="+mn-cs"/>
-              </a:rPr>
-              <a:t>64</a:t>
-            </a:r>
-            <a:r>
-              <a:rPr lang="ko-KR" altLang="en-US" sz="1200" b="0" i="0" kern="1200" dirty="0" smtClean="0">
-                <a:solidFill>
-                  <a:schemeClr val="tx1"/>
-                </a:solidFill>
-                <a:effectLst/>
-                <a:latin typeface="+mn-lt"/>
-                <a:ea typeface="+mn-ea"/>
-                <a:cs typeface="+mn-cs"/>
-              </a:rPr>
-              <a:t>비트는 </a:t>
-            </a:r>
-            <a:r>
-              <a:rPr lang="en-US" altLang="ko-KR" sz="1200" b="0" i="0" kern="1200" dirty="0" err="1" smtClean="0">
-                <a:solidFill>
-                  <a:schemeClr val="tx1"/>
-                </a:solidFill>
-                <a:effectLst/>
-                <a:latin typeface="+mn-lt"/>
-                <a:ea typeface="+mn-ea"/>
-                <a:cs typeface="+mn-cs"/>
-              </a:rPr>
-              <a:t>rax</a:t>
-            </a:r>
-            <a:r>
-              <a:rPr lang="en-US" altLang="ko-KR" sz="1200" b="0" i="0" kern="1200" dirty="0" smtClean="0">
-                <a:solidFill>
-                  <a:schemeClr val="tx1"/>
-                </a:solidFill>
-                <a:effectLst/>
-                <a:latin typeface="+mn-lt"/>
-                <a:ea typeface="+mn-ea"/>
-                <a:cs typeface="+mn-cs"/>
-              </a:rPr>
-              <a:t>, </a:t>
-            </a:r>
-            <a:r>
-              <a:rPr lang="en-US" altLang="ko-KR" sz="1200" b="0" i="0" kern="1200" dirty="0" err="1" smtClean="0">
-                <a:solidFill>
-                  <a:schemeClr val="tx1"/>
-                </a:solidFill>
-                <a:effectLst/>
-                <a:latin typeface="+mn-lt"/>
-                <a:ea typeface="+mn-ea"/>
-                <a:cs typeface="+mn-cs"/>
-              </a:rPr>
-              <a:t>rbx</a:t>
-            </a:r>
-            <a:r>
-              <a:rPr lang="en-US" altLang="ko-KR" sz="1200" b="0" i="0" kern="1200" dirty="0" smtClean="0">
-                <a:solidFill>
-                  <a:schemeClr val="tx1"/>
-                </a:solidFill>
-                <a:effectLst/>
-                <a:latin typeface="+mn-lt"/>
-                <a:ea typeface="+mn-ea"/>
-                <a:cs typeface="+mn-cs"/>
-              </a:rPr>
-              <a:t>, </a:t>
-            </a:r>
-            <a:r>
-              <a:rPr lang="en-US" altLang="ko-KR" sz="1200" b="0" i="0" kern="1200" dirty="0" err="1" smtClean="0">
-                <a:solidFill>
-                  <a:schemeClr val="tx1"/>
-                </a:solidFill>
-                <a:effectLst/>
-                <a:latin typeface="+mn-lt"/>
-                <a:ea typeface="+mn-ea"/>
-                <a:cs typeface="+mn-cs"/>
-              </a:rPr>
-              <a:t>rcx</a:t>
-            </a:r>
-            <a:r>
-              <a:rPr lang="en-US" altLang="ko-KR" sz="1200" b="0" i="0" kern="1200" dirty="0" smtClean="0">
-                <a:solidFill>
-                  <a:schemeClr val="tx1"/>
-                </a:solidFill>
-                <a:effectLst/>
-                <a:latin typeface="+mn-lt"/>
-                <a:ea typeface="+mn-ea"/>
-                <a:cs typeface="+mn-cs"/>
-              </a:rPr>
-              <a:t>, </a:t>
-            </a:r>
-            <a:r>
-              <a:rPr lang="en-US" altLang="ko-KR" sz="1200" b="0" i="0" kern="1200" dirty="0" err="1" smtClean="0">
-                <a:solidFill>
-                  <a:schemeClr val="tx1"/>
-                </a:solidFill>
-                <a:effectLst/>
-                <a:latin typeface="+mn-lt"/>
-                <a:ea typeface="+mn-ea"/>
-                <a:cs typeface="+mn-cs"/>
-              </a:rPr>
-              <a:t>rdx</a:t>
-            </a:r>
-            <a:r>
-              <a:rPr lang="en-US" altLang="ko-KR" sz="1200" b="0" i="0" kern="1200" dirty="0" smtClean="0">
-                <a:solidFill>
-                  <a:schemeClr val="tx1"/>
-                </a:solidFill>
-                <a:effectLst/>
-                <a:latin typeface="+mn-lt"/>
-                <a:ea typeface="+mn-ea"/>
-                <a:cs typeface="+mn-cs"/>
-              </a:rPr>
-              <a:t>, </a:t>
-            </a:r>
-            <a:r>
-              <a:rPr lang="en-US" altLang="ko-KR" sz="1200" b="0" i="0" kern="1200" dirty="0" err="1" smtClean="0">
-                <a:solidFill>
-                  <a:schemeClr val="tx1"/>
-                </a:solidFill>
-                <a:effectLst/>
-                <a:latin typeface="+mn-lt"/>
-                <a:ea typeface="+mn-ea"/>
-                <a:cs typeface="+mn-cs"/>
-              </a:rPr>
-              <a:t>rbp</a:t>
-            </a:r>
-            <a:r>
-              <a:rPr lang="en-US" altLang="ko-KR" sz="1200" b="0" i="0" kern="1200" dirty="0" smtClean="0">
-                <a:solidFill>
-                  <a:schemeClr val="tx1"/>
-                </a:solidFill>
-                <a:effectLst/>
-                <a:latin typeface="+mn-lt"/>
-                <a:ea typeface="+mn-ea"/>
-                <a:cs typeface="+mn-cs"/>
-              </a:rPr>
-              <a:t>, </a:t>
-            </a:r>
-            <a:r>
-              <a:rPr lang="en-US" altLang="ko-KR" sz="1200" b="0" i="0" kern="1200" dirty="0" err="1" smtClean="0">
-                <a:solidFill>
-                  <a:schemeClr val="tx1"/>
-                </a:solidFill>
-                <a:effectLst/>
-                <a:latin typeface="+mn-lt"/>
-                <a:ea typeface="+mn-ea"/>
-                <a:cs typeface="+mn-cs"/>
-              </a:rPr>
-              <a:t>rsp</a:t>
-            </a:r>
-            <a:r>
-              <a:rPr lang="en-US" altLang="ko-KR" sz="1200" b="0" i="0" kern="1200" dirty="0" smtClean="0">
-                <a:solidFill>
-                  <a:schemeClr val="tx1"/>
-                </a:solidFill>
-                <a:effectLst/>
-                <a:latin typeface="+mn-lt"/>
-                <a:ea typeface="+mn-ea"/>
-                <a:cs typeface="+mn-cs"/>
-              </a:rPr>
-              <a:t>, </a:t>
-            </a:r>
-            <a:r>
-              <a:rPr lang="en-US" altLang="ko-KR" sz="1200" b="0" i="0" kern="1200" dirty="0" err="1" smtClean="0">
-                <a:solidFill>
-                  <a:schemeClr val="tx1"/>
-                </a:solidFill>
-                <a:effectLst/>
-                <a:latin typeface="+mn-lt"/>
-                <a:ea typeface="+mn-ea"/>
-                <a:cs typeface="+mn-cs"/>
-              </a:rPr>
-              <a:t>rsi</a:t>
-            </a:r>
-            <a:r>
-              <a:rPr lang="en-US" altLang="ko-KR" sz="1200" b="0" i="0" kern="1200" dirty="0" smtClean="0">
-                <a:solidFill>
-                  <a:schemeClr val="tx1"/>
-                </a:solidFill>
-                <a:effectLst/>
-                <a:latin typeface="+mn-lt"/>
-                <a:ea typeface="+mn-ea"/>
-                <a:cs typeface="+mn-cs"/>
-              </a:rPr>
-              <a:t>, </a:t>
-            </a:r>
-            <a:r>
-              <a:rPr lang="en-US" altLang="ko-KR" sz="1200" b="0" i="0" kern="1200" dirty="0" err="1" smtClean="0">
-                <a:solidFill>
-                  <a:schemeClr val="tx1"/>
-                </a:solidFill>
-                <a:effectLst/>
-                <a:latin typeface="+mn-lt"/>
-                <a:ea typeface="+mn-ea"/>
-                <a:cs typeface="+mn-cs"/>
-              </a:rPr>
-              <a:t>rdi</a:t>
-            </a:r>
-            <a:r>
-              <a:rPr lang="en-US" altLang="ko-KR" sz="1200" b="0" i="0" kern="1200" dirty="0" smtClean="0">
-                <a:solidFill>
-                  <a:schemeClr val="tx1"/>
-                </a:solidFill>
-                <a:effectLst/>
-                <a:latin typeface="+mn-lt"/>
-                <a:ea typeface="+mn-ea"/>
-                <a:cs typeface="+mn-cs"/>
-              </a:rPr>
-              <a:t>, r8, r9, r10, r11, r12, r13, r14, r15 </a:t>
-            </a:r>
-            <a:r>
-              <a:rPr lang="ko-KR" altLang="en-US" sz="1200" b="0" i="0" kern="1200" dirty="0" smtClean="0">
-                <a:solidFill>
-                  <a:schemeClr val="tx1"/>
-                </a:solidFill>
-                <a:effectLst/>
-                <a:latin typeface="+mn-lt"/>
-                <a:ea typeface="+mn-ea"/>
-                <a:cs typeface="+mn-cs"/>
-              </a:rPr>
-              <a:t>총 </a:t>
-            </a:r>
-            <a:r>
-              <a:rPr lang="en-US" altLang="ko-KR" sz="1200" b="0" i="0" kern="1200" dirty="0" smtClean="0">
-                <a:solidFill>
-                  <a:schemeClr val="tx1"/>
-                </a:solidFill>
-                <a:effectLst/>
-                <a:latin typeface="+mn-lt"/>
-                <a:ea typeface="+mn-ea"/>
-                <a:cs typeface="+mn-cs"/>
-              </a:rPr>
-              <a:t>16</a:t>
-            </a:r>
-            <a:r>
-              <a:rPr lang="ko-KR" altLang="en-US" sz="1200" b="0" i="0" kern="1200" dirty="0" smtClean="0">
-                <a:solidFill>
-                  <a:schemeClr val="tx1"/>
-                </a:solidFill>
-                <a:effectLst/>
-                <a:latin typeface="+mn-lt"/>
-                <a:ea typeface="+mn-ea"/>
-                <a:cs typeface="+mn-cs"/>
-              </a:rPr>
-              <a:t>개의 레지스터를 가지도록 만들었다</a:t>
-            </a:r>
-            <a:r>
-              <a:rPr lang="en-US" altLang="ko-KR" sz="1200" b="0" i="0" kern="1200" dirty="0" smtClean="0">
-                <a:solidFill>
-                  <a:schemeClr val="tx1"/>
-                </a:solidFill>
-                <a:effectLst/>
-                <a:latin typeface="+mn-lt"/>
-                <a:ea typeface="+mn-ea"/>
-                <a:cs typeface="+mn-cs"/>
-              </a:rPr>
-              <a:t>.</a:t>
-            </a:r>
-          </a:p>
-          <a:p>
             <a:endParaRPr lang="ko-KR" altLang="en-US" dirty="0"/>
           </a:p>
         </p:txBody>
@@ -1101,7 +555,7 @@
           <a:p>
             <a:fld id="{713375B7-3858-45B5-BC6B-0C3689804A01}" type="slidenum">
               <a:rPr lang="ko-KR" altLang="en-US" smtClean="0"/>
-              <a:t>3</a:t>
+              <a:t>1</a:t>
             </a:fld>
             <a:endParaRPr lang="ko-KR" altLang="en-US"/>
           </a:p>
@@ -1110,7 +564,7 @@
     </p:spTree>
     <p:extLst>
       <p:ext uri="{BB962C8B-B14F-4D97-AF65-F5344CB8AC3E}">
-        <p14:creationId xmlns:p14="http://schemas.microsoft.com/office/powerpoint/2010/main" val="1605524389"/>
+        <p14:creationId xmlns:p14="http://schemas.microsoft.com/office/powerpoint/2010/main" val="1131727182"/>
       </p:ext>
     </p:extLst>
   </p:cSld>
@@ -1164,6 +618,29 @@
           <a:bodyPr/>
           <a:lstStyle/>
           <a:p>
+            <a:r>
+              <a:rPr lang="ko-KR" altLang="en-US" dirty="0" smtClean="0"/>
+              <a:t>먼저 레지스터가 무엇인지에 대해 알아보고</a:t>
+            </a:r>
+            <a:endParaRPr lang="en-US" altLang="ko-KR" dirty="0" smtClean="0"/>
+          </a:p>
+          <a:p>
+            <a:r>
+              <a:rPr lang="ko-KR" altLang="en-US" dirty="0" smtClean="0"/>
+              <a:t>포인터 레지스터인 </a:t>
+            </a:r>
+            <a:r>
+              <a:rPr lang="en-US" altLang="ko-KR" dirty="0" smtClean="0"/>
+              <a:t>ESP,EBP,EIP</a:t>
+            </a:r>
+            <a:r>
+              <a:rPr lang="ko-KR" altLang="en-US" dirty="0" smtClean="0"/>
+              <a:t>에 대해 알아보겠습니다</a:t>
+            </a:r>
+            <a:r>
+              <a:rPr lang="en-US" altLang="ko-KR" dirty="0" smtClean="0"/>
+              <a:t>.</a:t>
+            </a:r>
             <a:endParaRPr lang="ko-KR" altLang="en-US" dirty="0"/>
           </a:p>
         </p:txBody>
@@ -1185,7 +662,7 @@
           <a:p>
             <a:fld id="{713375B7-3858-45B5-BC6B-0C3689804A01}" type="slidenum">
               <a:rPr lang="ko-KR" altLang="en-US" smtClean="0"/>
-              <a:t>5</a:t>
+              <a:t>2</a:t>
             </a:fld>
             <a:endParaRPr lang="ko-KR" altLang="en-US"/>
           </a:p>
@@ -1194,7 +671,7 @@
     </p:spTree>
     <p:extLst>
       <p:ext uri="{BB962C8B-B14F-4D97-AF65-F5344CB8AC3E}">
-        <p14:creationId xmlns:p14="http://schemas.microsoft.com/office/powerpoint/2010/main" val="1202432508"/>
+        <p14:creationId xmlns:p14="http://schemas.microsoft.com/office/powerpoint/2010/main" val="2748540860"/>
       </p:ext>
     </p:extLst>
   </p:cSld>
@@ -1248,7 +725,7 @@
           <a:bodyPr/>
           <a:lstStyle/>
           <a:p>
-            <a:pPr marL="0" marR="0" indent="0" algn="l" defTabSz="914400" rtl="0" eaLnBrk="1" fontAlgn="auto" latinLnBrk="1" hangingPunct="1">
+            <a:pPr marL="0" marR="0" indent="0" algn="l" defTabSz="914400" rtl="0" eaLnBrk="1" fontAlgn="base" latinLnBrk="1" hangingPunct="1">
               <a:lnSpc>
                 <a:spcPct val="100000"/>
               </a:lnSpc>
@@ -1266,127 +743,51 @@
               <a:defRPr/>
             </a:pPr>
             <a:r>
-              <a:rPr lang="en-US" altLang="ko-KR" sz="1200" dirty="0" smtClean="0">
-                <a:solidFill>
-                  <a:schemeClr val="bg1"/>
-                </a:solidFill>
-                <a:latin typeface="나눔바른펜" panose="020B0503000000000000" pitchFamily="50" charset="-127"/>
-                <a:ea typeface="나눔바른펜" panose="020B0503000000000000" pitchFamily="50" charset="-127"/>
-              </a:rPr>
-              <a:t>PUSH(</a:t>
-            </a:r>
-            <a:r>
-              <a:rPr lang="ko-KR" altLang="en-US" sz="1200" dirty="0" smtClean="0">
-                <a:solidFill>
-                  <a:schemeClr val="bg1"/>
-                </a:solidFill>
-                <a:latin typeface="나눔바른펜" panose="020B0503000000000000" pitchFamily="50" charset="-127"/>
-                <a:ea typeface="나눔바른펜" panose="020B0503000000000000" pitchFamily="50" charset="-127"/>
-              </a:rPr>
-              <a:t>스택에 자료를 넣음</a:t>
-            </a:r>
-            <a:r>
-              <a:rPr lang="en-US" altLang="ko-KR" sz="1200" dirty="0" smtClean="0">
-                <a:solidFill>
-                  <a:schemeClr val="bg1"/>
-                </a:solidFill>
-                <a:latin typeface="나눔바른펜" panose="020B0503000000000000" pitchFamily="50" charset="-127"/>
-                <a:ea typeface="나눔바른펜" panose="020B0503000000000000" pitchFamily="50" charset="-127"/>
-              </a:rPr>
-              <a:t>)</a:t>
-            </a:r>
-            <a:r>
-              <a:rPr lang="ko-KR" altLang="en-US" sz="1200" dirty="0" smtClean="0">
-                <a:solidFill>
-                  <a:schemeClr val="bg1"/>
-                </a:solidFill>
-                <a:latin typeface="나눔바른펜" panose="020B0503000000000000" pitchFamily="50" charset="-127"/>
-                <a:ea typeface="나눔바른펜" panose="020B0503000000000000" pitchFamily="50" charset="-127"/>
+              <a:rPr lang="ko-KR" altLang="en-US" sz="1200" b="0" i="0" kern="1200" dirty="0" err="1" smtClean="0">
+                <a:solidFill>
+                  <a:schemeClr val="tx1"/>
+                </a:solidFill>
+                <a:effectLst/>
+                <a:latin typeface="+mn-lt"/>
+                <a:ea typeface="+mn-ea"/>
+                <a:cs typeface="+mn-cs"/>
+              </a:rPr>
+              <a:t>레지스터란</a:t>
+            </a:r>
+            <a:r>
+              <a:rPr lang="ko-KR" altLang="en-US" sz="1200" b="0" i="0" kern="1200" dirty="0" smtClean="0">
+                <a:solidFill>
+                  <a:schemeClr val="tx1"/>
+                </a:solidFill>
+                <a:effectLst/>
+                <a:latin typeface="+mn-lt"/>
+                <a:ea typeface="+mn-ea"/>
+                <a:cs typeface="+mn-cs"/>
               </a:rPr>
               <a:t> </a:t>
             </a:r>
             <a:r>
-              <a:rPr lang="en-US" altLang="ko-KR" sz="1200" dirty="0" smtClean="0">
-                <a:solidFill>
-                  <a:schemeClr val="bg1"/>
-                </a:solidFill>
-                <a:latin typeface="나눔바른펜" panose="020B0503000000000000" pitchFamily="50" charset="-127"/>
-                <a:ea typeface="나눔바른펜" panose="020B0503000000000000" pitchFamily="50" charset="-127"/>
-              </a:rPr>
-              <a:t>,</a:t>
-            </a:r>
-            <a:r>
-              <a:rPr lang="ko-KR" altLang="en-US" sz="1200" dirty="0" smtClean="0">
-                <a:solidFill>
-                  <a:schemeClr val="bg1"/>
-                </a:solidFill>
-                <a:latin typeface="나눔바른펜" panose="020B0503000000000000" pitchFamily="50" charset="-127"/>
-                <a:ea typeface="나눔바른펜" panose="020B0503000000000000" pitchFamily="50" charset="-127"/>
-              </a:rPr>
-              <a:t> </a:t>
-            </a:r>
-            <a:r>
-              <a:rPr lang="en-US" altLang="ko-KR" sz="1200" dirty="0" smtClean="0">
-                <a:solidFill>
-                  <a:schemeClr val="bg1"/>
-                </a:solidFill>
-                <a:latin typeface="나눔바른펜" panose="020B0503000000000000" pitchFamily="50" charset="-127"/>
-                <a:ea typeface="나눔바른펜" panose="020B0503000000000000" pitchFamily="50" charset="-127"/>
-              </a:rPr>
-              <a:t>POP(</a:t>
-            </a:r>
-            <a:r>
-              <a:rPr lang="ko-KR" altLang="en-US" sz="1200" dirty="0" smtClean="0">
-                <a:solidFill>
-                  <a:schemeClr val="bg1"/>
-                </a:solidFill>
-                <a:latin typeface="나눔바른펜" panose="020B0503000000000000" pitchFamily="50" charset="-127"/>
-                <a:ea typeface="나눔바른펜" panose="020B0503000000000000" pitchFamily="50" charset="-127"/>
-              </a:rPr>
-              <a:t>스택에서 자료를 뺌</a:t>
-            </a:r>
-            <a:r>
-              <a:rPr lang="en-US" altLang="ko-KR" sz="1200" dirty="0" smtClean="0">
-                <a:solidFill>
-                  <a:schemeClr val="bg1"/>
-                </a:solidFill>
-                <a:latin typeface="나눔바른펜" panose="020B0503000000000000" pitchFamily="50" charset="-127"/>
-                <a:ea typeface="나눔바른펜" panose="020B0503000000000000" pitchFamily="50" charset="-127"/>
-              </a:rPr>
-              <a:t>)</a:t>
-            </a:r>
-            <a:r>
-              <a:rPr lang="ko-KR" altLang="en-US" sz="1200" dirty="0" smtClean="0">
-                <a:solidFill>
-                  <a:schemeClr val="bg1"/>
-                </a:solidFill>
-                <a:latin typeface="나눔바른펜" panose="020B0503000000000000" pitchFamily="50" charset="-127"/>
-                <a:ea typeface="나눔바른펜" panose="020B0503000000000000" pitchFamily="50" charset="-127"/>
-              </a:rPr>
-              <a:t>에 의해 값이 </a:t>
-            </a:r>
-            <a:r>
-              <a:rPr lang="en-US" altLang="ko-KR" sz="1200" dirty="0" smtClean="0">
-                <a:solidFill>
-                  <a:schemeClr val="bg1"/>
-                </a:solidFill>
-                <a:latin typeface="나눔바른펜" panose="020B0503000000000000" pitchFamily="50" charset="-127"/>
-                <a:ea typeface="나눔바른펜" panose="020B0503000000000000" pitchFamily="50" charset="-127"/>
-              </a:rPr>
-              <a:t>4</a:t>
-            </a:r>
-            <a:r>
-              <a:rPr lang="ko-KR" altLang="en-US" sz="1200" dirty="0" smtClean="0">
-                <a:solidFill>
-                  <a:schemeClr val="bg1"/>
-                </a:solidFill>
-                <a:latin typeface="나눔바른펜" panose="020B0503000000000000" pitchFamily="50" charset="-127"/>
-                <a:ea typeface="나눔바른펜" panose="020B0503000000000000" pitchFamily="50" charset="-127"/>
-              </a:rPr>
-              <a:t>바이트씩 증감됨</a:t>
-            </a:r>
-            <a:r>
-              <a:rPr lang="en-US" altLang="ko-KR" sz="1200" dirty="0" smtClean="0">
+              <a:rPr lang="en-US" altLang="ko-KR" dirty="0" smtClean="0">
+                <a:solidFill>
+                  <a:schemeClr val="bg1"/>
+                </a:solidFill>
+                <a:latin typeface="나눔바른펜" panose="020B0503000000000000" pitchFamily="50" charset="-127"/>
+                <a:ea typeface="나눔바른펜" panose="020B0503000000000000" pitchFamily="50" charset="-127"/>
+              </a:rPr>
+              <a:t>CPU </a:t>
+            </a:r>
+            <a:r>
+              <a:rPr lang="ko-KR" altLang="en-US" dirty="0" smtClean="0">
+                <a:solidFill>
+                  <a:schemeClr val="bg1"/>
+                </a:solidFill>
+                <a:latin typeface="나눔바른펜" panose="020B0503000000000000" pitchFamily="50" charset="-127"/>
+                <a:ea typeface="나눔바른펜" panose="020B0503000000000000" pitchFamily="50" charset="-127"/>
+              </a:rPr>
+              <a:t>내부에서 처리할 명령어나 연산의 중간 결과값 등을 일시적으로 기억하는 임시 저장소입니다</a:t>
+            </a:r>
+            <a:r>
+              <a:rPr lang="en-US" altLang="ko-KR" dirty="0" smtClean="0">
                 <a:solidFill>
                   <a:schemeClr val="bg1"/>
                 </a:solidFill>
@@ -1395,33 +796,9 @@
               </a:rPr>
               <a:t>.</a:t>
             </a:r>
-            <a:r>
-              <a:rPr lang="en-US" altLang="ko-KR" dirty="0" smtClean="0">
-                <a:solidFill>
-                  <a:schemeClr val="bg1"/>
-                </a:solidFill>
-              </a:rPr>
-              <a:t> </a:t>
-            </a:r>
-            <a:r>
-              <a:rPr lang="ko-KR" altLang="en-US" dirty="0" smtClean="0">
-                <a:solidFill>
-                  <a:schemeClr val="bg1"/>
-                </a:solidFill>
-              </a:rPr>
-              <a:t>프로그램 안에서 수시로 변경됨</a:t>
-            </a:r>
-            <a:r>
-              <a:rPr lang="en-US" altLang="ko-KR" dirty="0" smtClean="0">
-                <a:solidFill>
-                  <a:schemeClr val="bg1"/>
-                </a:solidFill>
-              </a:rPr>
-              <a:t>.</a:t>
-            </a:r>
-          </a:p>
-          <a:p>
-            <a:pPr marL="0" marR="0" indent="0" algn="l" defTabSz="914400" rtl="0" eaLnBrk="1" fontAlgn="auto" latinLnBrk="1" hangingPunct="1">
+          </a:p>
+          <a:p>
+            <a:pPr marL="0" marR="0" indent="0" algn="l" defTabSz="914400" rtl="0" eaLnBrk="1" fontAlgn="base" latinLnBrk="1" hangingPunct="1">
               <a:lnSpc>
                 <a:spcPct val="100000"/>
               </a:lnSpc>
@@ -1439,109 +816,452 @@
               <a:defRPr/>
             </a:pPr>
             <a:r>
+              <a:rPr lang="ko-KR" altLang="en-US" dirty="0" smtClean="0">
+                <a:solidFill>
+                  <a:schemeClr val="bg1"/>
+                </a:solidFill>
+                <a:latin typeface="나눔바른펜" panose="020B0503000000000000" pitchFamily="50" charset="-127"/>
+                <a:ea typeface="나눔바른펜" panose="020B0503000000000000" pitchFamily="50" charset="-127"/>
+              </a:rPr>
+              <a:t>컴퓨터의 </a:t>
+            </a:r>
+            <a:r>
+              <a:rPr lang="ko-KR" altLang="en-US" dirty="0" smtClean="0">
+                <a:solidFill>
+                  <a:schemeClr val="bg1"/>
+                </a:solidFill>
+                <a:latin typeface="나눔바른펜" panose="020B0503000000000000" pitchFamily="50" charset="-127"/>
+                <a:ea typeface="나눔바른펜" panose="020B0503000000000000" pitchFamily="50" charset="-127"/>
+              </a:rPr>
+              <a:t>구조에 따라 </a:t>
+            </a:r>
+            <a:r>
+              <a:rPr lang="ko-KR" altLang="en-US" dirty="0" smtClean="0">
+                <a:solidFill>
+                  <a:schemeClr val="bg1"/>
+                </a:solidFill>
+                <a:latin typeface="나눔바른펜" panose="020B0503000000000000" pitchFamily="50" charset="-127"/>
+                <a:ea typeface="나눔바른펜" panose="020B0503000000000000" pitchFamily="50" charset="-127"/>
+              </a:rPr>
+              <a:t>그 크기와 수</a:t>
+            </a:r>
+            <a:r>
               <a:rPr lang="en-US" altLang="ko-KR" dirty="0" smtClean="0">
                 <a:solidFill>
                   <a:schemeClr val="bg1"/>
                 </a:solidFill>
-              </a:rPr>
-              <a:t>(</a:t>
+                <a:latin typeface="나눔바른펜" panose="020B0503000000000000" pitchFamily="50" charset="-127"/>
+                <a:ea typeface="나눔바른펜" panose="020B0503000000000000" pitchFamily="50" charset="-127"/>
+              </a:rPr>
+              <a:t>,</a:t>
             </a:r>
             <a:r>
               <a:rPr lang="ko-KR" altLang="en-US" dirty="0" smtClean="0">
                 <a:solidFill>
                   <a:schemeClr val="bg1"/>
                 </a:solidFill>
-              </a:rPr>
-              <a:t>특정 기준 시점을 잡아 </a:t>
+                <a:latin typeface="나눔바른펜" panose="020B0503000000000000" pitchFamily="50" charset="-127"/>
+                <a:ea typeface="나눔바른펜" panose="020B0503000000000000" pitchFamily="50" charset="-127"/>
+              </a:rPr>
+              <a:t> </a:t>
+            </a:r>
+            <a:r>
+              <a:rPr lang="ko-KR" altLang="en-US" dirty="0" smtClean="0">
+                <a:solidFill>
+                  <a:schemeClr val="bg1"/>
+                </a:solidFill>
+                <a:latin typeface="나눔바른펜" panose="020B0503000000000000" pitchFamily="50" charset="-127"/>
+                <a:ea typeface="나눔바른펜" panose="020B0503000000000000" pitchFamily="50" charset="-127"/>
+              </a:rPr>
+              <a:t>종류가 </a:t>
+            </a:r>
+            <a:r>
+              <a:rPr lang="ko-KR" altLang="en-US" dirty="0" smtClean="0">
+                <a:solidFill>
+                  <a:schemeClr val="bg1"/>
+                </a:solidFill>
+                <a:latin typeface="나눔바른펜" panose="020B0503000000000000" pitchFamily="50" charset="-127"/>
+                <a:ea typeface="나눔바른펜" panose="020B0503000000000000" pitchFamily="50" charset="-127"/>
+              </a:rPr>
+              <a:t>다양합니다</a:t>
             </a:r>
             <a:r>
               <a:rPr lang="en-US" altLang="ko-KR" dirty="0" smtClean="0">
                 <a:solidFill>
                   <a:schemeClr val="bg1"/>
                 </a:solidFill>
-              </a:rPr>
-              <a:t>ESP</a:t>
-            </a:r>
+                <a:latin typeface="나눔바른펜" panose="020B0503000000000000" pitchFamily="50" charset="-127"/>
+                <a:ea typeface="나눔바른펜" panose="020B0503000000000000" pitchFamily="50" charset="-127"/>
+              </a:rPr>
+              <a:t>.</a:t>
+            </a:r>
+          </a:p>
+          <a:p>
+            <a:pPr marL="0" marR="0" indent="0" algn="l" defTabSz="914400" rtl="0" eaLnBrk="1" fontAlgn="base" latinLnBrk="1" hangingPunct="1">
+              <a:lnSpc>
+                <a:spcPct val="100000"/>
+              </a:lnSpc>
+              <a:spcBef>
+                <a:spcPts val="0"/>
+              </a:spcBef>
+              <a:spcAft>
+                <a:spcPts val="0"/>
+              </a:spcAft>
+              <a:buClrTx/>
+              <a:buSzTx/>
+              <a:buFontTx/>
+              <a:buNone/>
+              <a:tabLst/>
+              <a:defRPr/>
+            </a:pPr>
             <a:r>
               <a:rPr lang="ko-KR" altLang="en-US" dirty="0" smtClean="0">
                 <a:solidFill>
                   <a:schemeClr val="bg1"/>
                 </a:solidFill>
-              </a:rPr>
-              <a:t>값을 </a:t>
+                <a:latin typeface="나눔바른펜" panose="020B0503000000000000" pitchFamily="50" charset="-127"/>
+                <a:ea typeface="나눔바른펜" panose="020B0503000000000000" pitchFamily="50" charset="-127"/>
+              </a:rPr>
+              <a:t>일반적으로는 </a:t>
             </a:r>
             <a:r>
               <a:rPr lang="en-US" altLang="ko-KR" dirty="0" smtClean="0">
                 <a:solidFill>
                   <a:schemeClr val="bg1"/>
                 </a:solidFill>
-              </a:rPr>
-              <a:t>EBP</a:t>
+                <a:latin typeface="나눔바른펜" panose="020B0503000000000000" pitchFamily="50" charset="-127"/>
+                <a:ea typeface="나눔바른펜" panose="020B0503000000000000" pitchFamily="50" charset="-127"/>
+              </a:rPr>
+              <a:t>10~20</a:t>
             </a:r>
             <a:r>
               <a:rPr lang="ko-KR" altLang="en-US" dirty="0" smtClean="0">
                 <a:solidFill>
                   <a:schemeClr val="bg1"/>
                 </a:solidFill>
-              </a:rPr>
-              <a:t>에 저장하여 </a:t>
-            </a:r>
-            <a:r>
-              <a:rPr lang="en-US" altLang="ko-KR" dirty="0" smtClean="0">
-                <a:solidFill>
-                  <a:schemeClr val="bg1"/>
-                </a:solidFill>
-              </a:rPr>
-              <a:t>EBP</a:t>
-            </a:r>
-            <a:r>
-              <a:rPr lang="ko-KR" altLang="en-US" dirty="0" smtClean="0">
-                <a:solidFill>
-                  <a:schemeClr val="bg1"/>
-                </a:solidFill>
-              </a:rPr>
-              <a:t>를 기준으로 변수나 </a:t>
-            </a:r>
-            <a:r>
-              <a:rPr lang="ko-KR" altLang="en-US" dirty="0" err="1" smtClean="0">
-                <a:solidFill>
-                  <a:schemeClr val="bg1"/>
-                </a:solidFill>
-              </a:rPr>
-              <a:t>파라미터에</a:t>
-            </a:r>
-            <a:r>
-              <a:rPr lang="ko-KR" altLang="en-US" dirty="0" smtClean="0">
-                <a:solidFill>
-                  <a:schemeClr val="bg1"/>
-                </a:solidFill>
-              </a:rPr>
-              <a:t> 접근</a:t>
-            </a:r>
-            <a:r>
-              <a:rPr lang="en-US" altLang="ko-KR" dirty="0" smtClean="0">
-                <a:solidFill>
-                  <a:schemeClr val="bg1"/>
-                </a:solidFill>
-              </a:rPr>
-              <a:t>.) </a:t>
-            </a:r>
-            <a:r>
-              <a:rPr lang="en-US" altLang="ko-KR" dirty="0" err="1" smtClean="0">
-                <a:solidFill>
-                  <a:schemeClr val="bg1"/>
-                </a:solidFill>
-              </a:rPr>
-              <a:t>sub,call</a:t>
+                <a:latin typeface="나눔바른펜" panose="020B0503000000000000" pitchFamily="50" charset="-127"/>
+                <a:ea typeface="나눔바른펜" panose="020B0503000000000000" pitchFamily="50" charset="-127"/>
+              </a:rPr>
+              <a:t>개</a:t>
+            </a:r>
+            <a:r>
+              <a:rPr lang="ko-KR" altLang="en-US" baseline="0" dirty="0" smtClean="0">
+                <a:solidFill>
+                  <a:schemeClr val="bg1"/>
+                </a:solidFill>
+                <a:latin typeface="나눔바른펜" panose="020B0503000000000000" pitchFamily="50" charset="-127"/>
+                <a:ea typeface="나눔바른펜" panose="020B0503000000000000" pitchFamily="50" charset="-127"/>
+              </a:rPr>
+              <a:t> 내외의 레지스터로 구성되며</a:t>
+            </a:r>
+            <a:r>
+              <a:rPr lang="en-US" altLang="ko-KR" baseline="0" dirty="0" smtClean="0">
+                <a:solidFill>
+                  <a:schemeClr val="bg1"/>
+                </a:solidFill>
+                <a:latin typeface="나눔바른펜" panose="020B0503000000000000" pitchFamily="50" charset="-127"/>
+                <a:ea typeface="나눔바른펜" panose="020B0503000000000000" pitchFamily="50" charset="-127"/>
+              </a:rPr>
+              <a:t>,</a:t>
             </a:r>
             <a:endParaRPr lang="en-US" altLang="ko-KR" dirty="0" smtClean="0">
               <a:solidFill>
                 <a:schemeClr val="bg1"/>
               </a:solidFill>
+              <a:latin typeface="나눔바른펜" panose="020B0503000000000000" pitchFamily="50" charset="-127"/>
+              <a:ea typeface="나눔바른펜" panose="020B0503000000000000" pitchFamily="50" charset="-127"/>
             </a:endParaRPr>
           </a:p>
           <a:p>
-            <a:endParaRPr lang="ko-KR" altLang="en-US" dirty="0"/>
+            <a:pPr fontAlgn="base"/>
+            <a:r>
+              <a:rPr lang="en-US" altLang="ko-KR" sz="1200" b="0" i="0" kern="1200" dirty="0" smtClean="0">
+                <a:solidFill>
+                  <a:schemeClr val="tx1"/>
+                </a:solidFill>
+                <a:effectLst/>
+                <a:latin typeface="+mn-lt"/>
+                <a:ea typeface="+mn-ea"/>
+                <a:cs typeface="+mn-cs"/>
+              </a:rPr>
+              <a:t>32</a:t>
+            </a:r>
+            <a:r>
+              <a:rPr lang="ko-KR" altLang="en-US" sz="1200" b="0" i="0" kern="1200" dirty="0" smtClean="0">
+                <a:solidFill>
+                  <a:schemeClr val="tx1"/>
+                </a:solidFill>
+                <a:effectLst/>
+                <a:latin typeface="+mn-lt"/>
+                <a:ea typeface="+mn-ea"/>
+                <a:cs typeface="+mn-cs"/>
+              </a:rPr>
+              <a:t>비트 </a:t>
+            </a:r>
+            <a:r>
+              <a:rPr lang="ko-KR" altLang="en-US" sz="1200" b="0" i="0" kern="1200" dirty="0" err="1" smtClean="0">
+                <a:solidFill>
+                  <a:schemeClr val="tx1"/>
+                </a:solidFill>
+                <a:effectLst/>
+                <a:latin typeface="+mn-lt"/>
+                <a:ea typeface="+mn-ea"/>
+                <a:cs typeface="+mn-cs"/>
+              </a:rPr>
+              <a:t>아키텍쳐는</a:t>
+            </a:r>
+            <a:r>
+              <a:rPr lang="ko-KR" altLang="en-US" sz="1200" b="0" i="0" kern="1200" dirty="0" smtClean="0">
+                <a:solidFill>
+                  <a:schemeClr val="tx1"/>
+                </a:solidFill>
+                <a:effectLst/>
+                <a:latin typeface="+mn-lt"/>
+                <a:ea typeface="+mn-ea"/>
+                <a:cs typeface="+mn-cs"/>
+              </a:rPr>
+              <a:t> </a:t>
+            </a:r>
+            <a:r>
+              <a:rPr lang="en-US" altLang="ko-KR" sz="1200" b="0" i="0" kern="1200" dirty="0" err="1" smtClean="0">
+                <a:solidFill>
+                  <a:schemeClr val="tx1"/>
+                </a:solidFill>
+                <a:effectLst/>
+                <a:latin typeface="+mn-lt"/>
+                <a:ea typeface="+mn-ea"/>
+                <a:cs typeface="+mn-cs"/>
+              </a:rPr>
+              <a:t>eax</a:t>
+            </a:r>
+            <a:r>
+              <a:rPr lang="en-US" altLang="ko-KR" sz="1200" b="0" i="0" kern="1200" dirty="0" smtClean="0">
+                <a:solidFill>
+                  <a:schemeClr val="tx1"/>
+                </a:solidFill>
+                <a:effectLst/>
+                <a:latin typeface="+mn-lt"/>
+                <a:ea typeface="+mn-ea"/>
+                <a:cs typeface="+mn-cs"/>
+              </a:rPr>
+              <a:t>, </a:t>
+            </a:r>
+            <a:r>
+              <a:rPr lang="en-US" altLang="ko-KR" sz="1200" b="0" i="0" kern="1200" dirty="0" err="1" smtClean="0">
+                <a:solidFill>
+                  <a:schemeClr val="tx1"/>
+                </a:solidFill>
+                <a:effectLst/>
+                <a:latin typeface="+mn-lt"/>
+                <a:ea typeface="+mn-ea"/>
+                <a:cs typeface="+mn-cs"/>
+              </a:rPr>
+              <a:t>ebx</a:t>
+            </a:r>
+            <a:r>
+              <a:rPr lang="en-US" altLang="ko-KR" sz="1200" b="0" i="0" kern="1200" dirty="0" smtClean="0">
+                <a:solidFill>
+                  <a:schemeClr val="tx1"/>
+                </a:solidFill>
+                <a:effectLst/>
+                <a:latin typeface="+mn-lt"/>
+                <a:ea typeface="+mn-ea"/>
+                <a:cs typeface="+mn-cs"/>
+              </a:rPr>
+              <a:t>, </a:t>
+            </a:r>
+            <a:r>
+              <a:rPr lang="en-US" altLang="ko-KR" sz="1200" b="0" i="0" kern="1200" dirty="0" err="1" smtClean="0">
+                <a:solidFill>
+                  <a:schemeClr val="tx1"/>
+                </a:solidFill>
+                <a:effectLst/>
+                <a:latin typeface="+mn-lt"/>
+                <a:ea typeface="+mn-ea"/>
+                <a:cs typeface="+mn-cs"/>
+              </a:rPr>
+              <a:t>ecx</a:t>
+            </a:r>
+            <a:r>
+              <a:rPr lang="en-US" altLang="ko-KR" sz="1200" b="0" i="0" kern="1200" dirty="0" smtClean="0">
+                <a:solidFill>
+                  <a:schemeClr val="tx1"/>
+                </a:solidFill>
+                <a:effectLst/>
+                <a:latin typeface="+mn-lt"/>
+                <a:ea typeface="+mn-ea"/>
+                <a:cs typeface="+mn-cs"/>
+              </a:rPr>
+              <a:t>, </a:t>
+            </a:r>
+            <a:r>
+              <a:rPr lang="en-US" altLang="ko-KR" sz="1200" b="0" i="0" kern="1200" dirty="0" err="1" smtClean="0">
+                <a:solidFill>
+                  <a:schemeClr val="tx1"/>
+                </a:solidFill>
+                <a:effectLst/>
+                <a:latin typeface="+mn-lt"/>
+                <a:ea typeface="+mn-ea"/>
+                <a:cs typeface="+mn-cs"/>
+              </a:rPr>
+              <a:t>edx</a:t>
+            </a:r>
+            <a:r>
+              <a:rPr lang="en-US" altLang="ko-KR" sz="1200" b="0" i="0" kern="1200" dirty="0" smtClean="0">
+                <a:solidFill>
+                  <a:schemeClr val="tx1"/>
+                </a:solidFill>
+                <a:effectLst/>
+                <a:latin typeface="+mn-lt"/>
+                <a:ea typeface="+mn-ea"/>
+                <a:cs typeface="+mn-cs"/>
+              </a:rPr>
+              <a:t>, </a:t>
+            </a:r>
+            <a:r>
+              <a:rPr lang="en-US" altLang="ko-KR" sz="1200" b="0" i="0" kern="1200" dirty="0" err="1" smtClean="0">
+                <a:solidFill>
+                  <a:schemeClr val="tx1"/>
+                </a:solidFill>
+                <a:effectLst/>
+                <a:latin typeface="+mn-lt"/>
+                <a:ea typeface="+mn-ea"/>
+                <a:cs typeface="+mn-cs"/>
+              </a:rPr>
+              <a:t>ebp</a:t>
+            </a:r>
+            <a:r>
+              <a:rPr lang="en-US" altLang="ko-KR" sz="1200" b="0" i="0" kern="1200" dirty="0" smtClean="0">
+                <a:solidFill>
+                  <a:schemeClr val="tx1"/>
+                </a:solidFill>
+                <a:effectLst/>
+                <a:latin typeface="+mn-lt"/>
+                <a:ea typeface="+mn-ea"/>
+                <a:cs typeface="+mn-cs"/>
+              </a:rPr>
+              <a:t>, </a:t>
+            </a:r>
+            <a:r>
+              <a:rPr lang="en-US" altLang="ko-KR" sz="1200" b="0" i="0" kern="1200" dirty="0" err="1" smtClean="0">
+                <a:solidFill>
+                  <a:schemeClr val="tx1"/>
+                </a:solidFill>
+                <a:effectLst/>
+                <a:latin typeface="+mn-lt"/>
+                <a:ea typeface="+mn-ea"/>
+                <a:cs typeface="+mn-cs"/>
+              </a:rPr>
+              <a:t>esp</a:t>
+            </a:r>
+            <a:r>
+              <a:rPr lang="en-US" altLang="ko-KR" sz="1200" b="0" i="0" kern="1200" dirty="0" smtClean="0">
+                <a:solidFill>
+                  <a:schemeClr val="tx1"/>
+                </a:solidFill>
+                <a:effectLst/>
+                <a:latin typeface="+mn-lt"/>
+                <a:ea typeface="+mn-ea"/>
+                <a:cs typeface="+mn-cs"/>
+              </a:rPr>
+              <a:t>, </a:t>
+            </a:r>
+            <a:r>
+              <a:rPr lang="en-US" altLang="ko-KR" sz="1200" b="0" i="0" kern="1200" dirty="0" err="1" smtClean="0">
+                <a:solidFill>
+                  <a:schemeClr val="tx1"/>
+                </a:solidFill>
+                <a:effectLst/>
+                <a:latin typeface="+mn-lt"/>
+                <a:ea typeface="+mn-ea"/>
+                <a:cs typeface="+mn-cs"/>
+              </a:rPr>
+              <a:t>esi</a:t>
+            </a:r>
+            <a:r>
+              <a:rPr lang="en-US" altLang="ko-KR" sz="1200" b="0" i="0" kern="1200" dirty="0" smtClean="0">
+                <a:solidFill>
+                  <a:schemeClr val="tx1"/>
+                </a:solidFill>
+                <a:effectLst/>
+                <a:latin typeface="+mn-lt"/>
+                <a:ea typeface="+mn-ea"/>
+                <a:cs typeface="+mn-cs"/>
+              </a:rPr>
+              <a:t>, </a:t>
+            </a:r>
+            <a:r>
+              <a:rPr lang="en-US" altLang="ko-KR" sz="1200" b="0" i="0" kern="1200" dirty="0" err="1" smtClean="0">
+                <a:solidFill>
+                  <a:schemeClr val="tx1"/>
+                </a:solidFill>
+                <a:effectLst/>
+                <a:latin typeface="+mn-lt"/>
+                <a:ea typeface="+mn-ea"/>
+                <a:cs typeface="+mn-cs"/>
+              </a:rPr>
+              <a:t>edi</a:t>
+            </a:r>
+            <a:r>
+              <a:rPr lang="en-US" altLang="ko-KR" sz="1200" b="0" i="0" kern="1200" dirty="0" smtClean="0">
+                <a:solidFill>
+                  <a:schemeClr val="tx1"/>
+                </a:solidFill>
+                <a:effectLst/>
+                <a:latin typeface="+mn-lt"/>
+                <a:ea typeface="+mn-ea"/>
+                <a:cs typeface="+mn-cs"/>
+              </a:rPr>
+              <a:t> </a:t>
+            </a:r>
+            <a:r>
+              <a:rPr lang="ko-KR" altLang="en-US" sz="1200" b="0" i="0" kern="1200" dirty="0" smtClean="0">
+                <a:solidFill>
+                  <a:schemeClr val="tx1"/>
+                </a:solidFill>
+                <a:effectLst/>
+                <a:latin typeface="+mn-lt"/>
+                <a:ea typeface="+mn-ea"/>
+                <a:cs typeface="+mn-cs"/>
+              </a:rPr>
+              <a:t>총 </a:t>
+            </a:r>
+            <a:r>
+              <a:rPr lang="en-US" altLang="ko-KR" sz="1200" b="0" i="0" kern="1200" dirty="0" smtClean="0">
+                <a:solidFill>
+                  <a:schemeClr val="tx1"/>
+                </a:solidFill>
+                <a:effectLst/>
+                <a:latin typeface="+mn-lt"/>
+                <a:ea typeface="+mn-ea"/>
+                <a:cs typeface="+mn-cs"/>
+              </a:rPr>
+              <a:t>8</a:t>
+            </a:r>
+            <a:r>
+              <a:rPr lang="ko-KR" altLang="en-US" sz="1200" b="0" i="0" kern="1200" dirty="0" smtClean="0">
+                <a:solidFill>
+                  <a:schemeClr val="tx1"/>
+                </a:solidFill>
+                <a:effectLst/>
+                <a:latin typeface="+mn-lt"/>
+                <a:ea typeface="+mn-ea"/>
+                <a:cs typeface="+mn-cs"/>
+              </a:rPr>
+              <a:t>개의 범용 레지스터가 있습니다</a:t>
+            </a:r>
+            <a:r>
+              <a:rPr lang="en-US" altLang="ko-KR" sz="1200" b="0" i="0" kern="1200" dirty="0" smtClean="0">
+                <a:solidFill>
+                  <a:schemeClr val="tx1"/>
+                </a:solidFill>
+                <a:effectLst/>
+                <a:latin typeface="+mn-lt"/>
+                <a:ea typeface="+mn-ea"/>
+                <a:cs typeface="+mn-cs"/>
+              </a:rPr>
+              <a:t>.</a:t>
+            </a:r>
           </a:p>
         </p:txBody>
       </p:sp>
@@ -1562,7 +1282,7 @@
           <a:p>
             <a:fld id="{713375B7-3858-45B5-BC6B-0C3689804A01}" type="slidenum">
               <a:rPr lang="ko-KR" altLang="en-US" smtClean="0"/>
-              <a:t>6</a:t>
+              <a:t>3</a:t>
             </a:fld>
             <a:endParaRPr lang="ko-KR" altLang="en-US"/>
           </a:p>
@@ -1571,7 +1291,7 @@
     </p:spTree>
     <p:extLst>
       <p:ext uri="{BB962C8B-B14F-4D97-AF65-F5344CB8AC3E}">
-        <p14:creationId xmlns:p14="http://schemas.microsoft.com/office/powerpoint/2010/main" val="1630391687"/>
+        <p14:creationId xmlns:p14="http://schemas.microsoft.com/office/powerpoint/2010/main" val="1605524389"/>
       </p:ext>
     </p:extLst>
   </p:cSld>
@@ -1625,6 +1345,334 @@
           <a:bodyPr/>
           <a:lstStyle/>
           <a:p>
+            <a:r>
+              <a:rPr lang="ko-KR" altLang="en-US" dirty="0" smtClean="0"/>
+              <a:t>레지스터는 여러 기준에 따라 분류할 수 있습니다</a:t>
+            </a:r>
+            <a:r>
+              <a:rPr lang="en-US" altLang="ko-KR" dirty="0" smtClean="0"/>
+              <a:t>.</a:t>
+            </a:r>
+          </a:p>
+          <a:p>
+            <a:r>
+              <a:rPr lang="ko-KR" altLang="en-US" dirty="0" smtClean="0"/>
+              <a:t>용도에 따라 전용 레지스터와 범용 레지스터로 분류할 수 있습니다</a:t>
+            </a:r>
+            <a:r>
+              <a:rPr lang="en-US" altLang="ko-KR" dirty="0" smtClean="0"/>
+              <a:t>.</a:t>
+            </a:r>
+          </a:p>
+          <a:p>
+            <a:r>
+              <a:rPr lang="ko-KR" altLang="en-US" dirty="0" smtClean="0"/>
+              <a:t>범용 레지스터는 메모리로부터 인출한 일반 데이터</a:t>
+            </a:r>
+            <a:r>
+              <a:rPr lang="en-US" altLang="ko-KR" dirty="0" smtClean="0"/>
+              <a:t>, </a:t>
+            </a:r>
+            <a:r>
+              <a:rPr lang="ko-KR" altLang="en-US" dirty="0" smtClean="0"/>
+              <a:t>주소 혹은 </a:t>
+            </a:r>
+            <a:r>
+              <a:rPr lang="en-US" altLang="ko-KR" dirty="0" smtClean="0"/>
+              <a:t>ALU</a:t>
+            </a:r>
+            <a:r>
+              <a:rPr lang="ko-KR" altLang="en-US" dirty="0" smtClean="0"/>
+              <a:t>에서 계산된 결과 값을 임시로 저장하는 데 사용하는 레지스터입니다</a:t>
+            </a:r>
+            <a:r>
+              <a:rPr lang="en-US" altLang="ko-KR" dirty="0" smtClean="0"/>
+              <a:t>.</a:t>
+            </a:r>
+          </a:p>
+          <a:p>
+            <a:r>
+              <a:rPr lang="ko-KR" altLang="en-US" dirty="0" smtClean="0"/>
+              <a:t>전용 레지스터</a:t>
+            </a:r>
+            <a:r>
+              <a:rPr lang="en-US" altLang="ko-KR" dirty="0" smtClean="0"/>
+              <a:t> </a:t>
+            </a:r>
+            <a:r>
+              <a:rPr lang="ko-KR" altLang="en-US" dirty="0" smtClean="0"/>
+              <a:t>프로세서가 명령어를 수행하는 데 필요한 특정 데이터를 저장하 거나 읽는 데 사용하는 레지스터입니다</a:t>
+            </a:r>
+            <a:r>
+              <a:rPr lang="en-US" altLang="ko-KR" dirty="0" smtClean="0"/>
+              <a:t>.</a:t>
+            </a:r>
+          </a:p>
+          <a:p>
+            <a:r>
+              <a:rPr lang="ko-KR" altLang="en-US" dirty="0" smtClean="0"/>
+              <a:t>또한</a:t>
+            </a:r>
+            <a:r>
+              <a:rPr lang="en-US" altLang="ko-KR" dirty="0" smtClean="0"/>
+              <a:t>, </a:t>
+            </a:r>
+            <a:r>
+              <a:rPr lang="ko-KR" altLang="en-US" dirty="0" smtClean="0"/>
+              <a:t>레지스터에 저장되는 정보의 종류에 따라 데이터 레지스터</a:t>
+            </a:r>
+            <a:r>
+              <a:rPr lang="en-US" altLang="ko-KR" dirty="0" smtClean="0"/>
+              <a:t>, </a:t>
+            </a:r>
+            <a:r>
+              <a:rPr lang="ko-KR" altLang="en-US" dirty="0" smtClean="0"/>
+              <a:t>주소 레지스터</a:t>
+            </a:r>
+            <a:r>
+              <a:rPr lang="en-US" altLang="ko-KR" dirty="0" smtClean="0"/>
+              <a:t>, </a:t>
+            </a:r>
+            <a:r>
+              <a:rPr lang="ko-KR" altLang="en-US" dirty="0" smtClean="0"/>
+              <a:t>상태 레지스터로 분류할 수 있습니다</a:t>
+            </a:r>
+            <a:r>
+              <a:rPr lang="en-US" altLang="ko-KR" dirty="0" smtClean="0"/>
+              <a:t>.</a:t>
+            </a:r>
+          </a:p>
+          <a:p>
+            <a:r>
+              <a:rPr lang="ko-KR" altLang="en-US" dirty="0" smtClean="0"/>
+              <a:t>사용자의 정보 변경 가능 유무에 따라 사용자 가시 레지스터와 사용자 불가시 레지스터로 분류할 수 있습니다</a:t>
+            </a:r>
+            <a:r>
+              <a:rPr lang="en-US" altLang="ko-KR" dirty="0" smtClean="0"/>
+              <a:t>.</a:t>
+            </a:r>
+            <a:endParaRPr lang="ko-KR" altLang="en-US" dirty="0"/>
+          </a:p>
+        </p:txBody>
+      </p:sp>
+      <p:sp>
+        <p:nvSpPr>
+          <p:cNvPr id="4" name="슬라이드 번호 개체 틀 3"/>
+          <p:cNvSpPr>
+            <a:spLocks noGrp="1"/>
+          </p:cNvSpPr>
+          <p:nvPr>
+            <p:ph type="sldNum" sz="quarter" idx="10"/>
+          </p:nvPr>
+        </p:nvSpPr>
+        <p:spPr/>
+        <p:txBody>
+          <a:bodyPr/>
+          <a:lstStyle/>
+          <a:p>
+            <a:fld id="{713375B7-3858-45B5-BC6B-0C3689804A01}" type="slidenum">
+              <a:rPr lang="ko-KR" altLang="en-US" smtClean="0"/>
+              <a:t>4</a:t>
+            </a:fld>
+            <a:endParaRPr lang="ko-KR" altLang="en-US"/>
+          </a:p>
+        </p:txBody>
+      </p:sp>
+    </p:spTree>
+    <p:extLst>
+      <p:ext uri="{BB962C8B-B14F-4D97-AF65-F5344CB8AC3E}">
+        <p14:creationId xmlns:p14="http://schemas.microsoft.com/office/powerpoint/2010/main" val="3557663455"/>
+      </p:ext>
+    </p:extLst>
+  </p:cSld>
+  <p:clrMapOvr>
+    <a:masterClrMapping/>
+  </p:clrMapOvr>
+</p:notes>
+</file>
+
+<file path=ppt/notesSlides/notesSlide5.xml><?xml version="1.0" encoding="utf-8"?>
+<p:notes xmlns:a="http://schemas.openxmlformats.org/drawingml/2006/main" xmlns:r="http://schemas.openxmlformats.org/officeDocument/2006/relationships" xmlns:p="http://schemas.openxmlformats.org/presentationml/2006/main">
+  <p:cSld>
+    <p:spTree>
+      <p:nvGrpSpPr>
+        <p:cNvPr id="1" name=""/>
+        <p:cNvGrpSpPr/>
+        <p:nvPr/>
+      </p:nvGrpSpPr>
+      <p:grpSpPr>
+        <a:xfrm>
+          <a:off x="0" y="0"/>
+          <a:ext cx="0" cy="0"/>
+          <a:chOff x="0" y="0"/>
+          <a:chExt cx="0" cy="0"/>
+        </a:xfrm>
+      </p:grpSpPr>
+      <p:sp>
+        <p:nvSpPr>
+          <p:cNvPr id="2" name="슬라이드 이미지 개체 틀 1"/>
+          <p:cNvSpPr>
+            <a:spLocks noGrp="1" noRot="1" noChangeAspect="1"/>
+          </p:cNvSpPr>
+          <p:nvPr>
+            <p:ph type="sldImg"/>
+          </p:nvPr>
+        </p:nvSpPr>
+        <p:spPr/>
+      </p:sp>
+      <p:sp>
+        <p:nvSpPr>
+          <p:cNvPr id="3" name="슬라이드 노트 개체 틀 2"/>
+          <p:cNvSpPr>
+            <a:spLocks noGrp="1"/>
+          </p:cNvSpPr>
+          <p:nvPr>
+            <p:ph type="body" idx="1"/>
+          </p:nvPr>
+        </p:nvSpPr>
+        <p:spPr/>
+        <p:txBody>
+          <a:bodyPr/>
+          <a:lstStyle/>
+          <a:p>
+            <a:r>
+              <a:rPr lang="ko-KR" altLang="en-US" dirty="0" smtClean="0"/>
+              <a:t>포인터 레지스터는 </a:t>
+            </a:r>
+            <a:r>
+              <a:rPr lang="ko-KR" altLang="en-US" sz="1200" dirty="0" smtClean="0">
+                <a:solidFill>
+                  <a:schemeClr val="bg1"/>
+                </a:solidFill>
+                <a:latin typeface="나눔바른펜" panose="020B0503000000000000" pitchFamily="50" charset="-127"/>
+                <a:ea typeface="나눔바른펜" panose="020B0503000000000000" pitchFamily="50" charset="-127"/>
+              </a:rPr>
+              <a:t>메모리 주소 레지스터</a:t>
+            </a:r>
+            <a:r>
+              <a:rPr lang="en-US" altLang="ko-KR" sz="1200" dirty="0" smtClean="0">
+                <a:solidFill>
+                  <a:schemeClr val="bg1"/>
+                </a:solidFill>
+                <a:latin typeface="나눔바른펜" panose="020B0503000000000000" pitchFamily="50" charset="-127"/>
+                <a:ea typeface="나눔바른펜" panose="020B0503000000000000" pitchFamily="50" charset="-127"/>
+              </a:rPr>
+              <a:t>(MAR)</a:t>
+            </a:r>
+            <a:r>
+              <a:rPr lang="ko-KR" altLang="en-US" sz="1200" dirty="0" smtClean="0">
+                <a:solidFill>
+                  <a:schemeClr val="bg1"/>
+                </a:solidFill>
+                <a:latin typeface="나눔바른펜" panose="020B0503000000000000" pitchFamily="50" charset="-127"/>
+                <a:ea typeface="나눔바른펜" panose="020B0503000000000000" pitchFamily="50" charset="-127"/>
+              </a:rPr>
+              <a:t>에 </a:t>
+            </a:r>
+            <a:r>
+              <a:rPr lang="ko-KR" altLang="en-US" sz="1200" dirty="0" err="1" smtClean="0">
+                <a:solidFill>
+                  <a:schemeClr val="bg1"/>
+                </a:solidFill>
+                <a:latin typeface="나눔바른펜" panose="020B0503000000000000" pitchFamily="50" charset="-127"/>
+                <a:ea typeface="나눔바른펜" panose="020B0503000000000000" pitchFamily="50" charset="-127"/>
+              </a:rPr>
+              <a:t>맵핑된</a:t>
+            </a:r>
+            <a:r>
+              <a:rPr lang="ko-KR" altLang="en-US" sz="1200" dirty="0" smtClean="0">
+                <a:solidFill>
+                  <a:schemeClr val="bg1"/>
+                </a:solidFill>
+                <a:latin typeface="나눔바른펜" panose="020B0503000000000000" pitchFamily="50" charset="-127"/>
+                <a:ea typeface="나눔바른펜" panose="020B0503000000000000" pitchFamily="50" charset="-127"/>
+              </a:rPr>
+              <a:t> 레지스터</a:t>
+            </a:r>
+            <a:endParaRPr lang="ko-KR" altLang="en-US" dirty="0"/>
+          </a:p>
+        </p:txBody>
+      </p:sp>
+      <p:sp>
+        <p:nvSpPr>
+          <p:cNvPr id="4" name="슬라이드 번호 개체 틀 3"/>
+          <p:cNvSpPr>
+            <a:spLocks noGrp="1"/>
+          </p:cNvSpPr>
+          <p:nvPr>
+            <p:ph type="sldNum" sz="quarter" idx="10"/>
+          </p:nvPr>
+        </p:nvSpPr>
+        <p:spPr/>
+        <p:txBody>
+          <a:bodyPr/>
+          <a:lstStyle/>
+          <a:p>
+            <a:fld id="{713375B7-3858-45B5-BC6B-0C3689804A01}" type="slidenum">
+              <a:rPr lang="ko-KR" altLang="en-US" smtClean="0"/>
+              <a:t>5</a:t>
+            </a:fld>
+            <a:endParaRPr lang="ko-KR" altLang="en-US"/>
+          </a:p>
+        </p:txBody>
+      </p:sp>
+    </p:spTree>
+    <p:extLst>
+      <p:ext uri="{BB962C8B-B14F-4D97-AF65-F5344CB8AC3E}">
+        <p14:creationId xmlns:p14="http://schemas.microsoft.com/office/powerpoint/2010/main" val="1202432508"/>
+      </p:ext>
+    </p:extLst>
+  </p:cSld>
+  <p:clrMapOvr>
+    <a:masterClrMapping/>
+  </p:clrMapOvr>
+</p:notes>
+</file>
+
+<file path=ppt/notesSlides/notesSlide6.xml><?xml version="1.0" encoding="utf-8"?>
+<p:notes xmlns:a="http://schemas.openxmlformats.org/drawingml/2006/main" xmlns:r="http://schemas.openxmlformats.org/officeDocument/2006/relationships" xmlns:p="http://schemas.openxmlformats.org/presentationml/2006/main">
+  <p:cSld>
+    <p:spTree>
+      <p:nvGrpSpPr>
+        <p:cNvPr id="1" name=""/>
+        <p:cNvGrpSpPr/>
+        <p:nvPr/>
+      </p:nvGrpSpPr>
+      <p:grpSpPr>
+        <a:xfrm>
+          <a:off x="0" y="0"/>
+          <a:ext cx="0" cy="0"/>
+          <a:chOff x="0" y="0"/>
+          <a:chExt cx="0" cy="0"/>
+        </a:xfrm>
+      </p:grpSpPr>
+      <p:sp>
+        <p:nvSpPr>
+          <p:cNvPr id="2" name="슬라이드 이미지 개체 틀 1"/>
+          <p:cNvSpPr>
+            <a:spLocks noGrp="1" noRot="1" noChangeAspect="1"/>
+          </p:cNvSpPr>
+          <p:nvPr>
+            <p:ph type="sldImg"/>
+          </p:nvPr>
+        </p:nvSpPr>
+        <p:spPr/>
+      </p:sp>
+      <p:sp>
+        <p:nvSpPr>
+          <p:cNvPr id="3" name="슬라이드 노트 개체 틀 2"/>
+          <p:cNvSpPr>
+            <a:spLocks noGrp="1"/>
+          </p:cNvSpPr>
+          <p:nvPr>
+            <p:ph type="body" idx="1"/>
+          </p:nvPr>
+        </p:nvSpPr>
+        <p:spPr/>
+        <p:txBody>
+          <a:bodyPr/>
+          <a:lstStyle/>
+          <a:p>
             <a:pPr marL="0" marR="0" indent="0" algn="l" defTabSz="914400" rtl="0" eaLnBrk="1" fontAlgn="auto" latinLnBrk="1" hangingPunct="1">
               <a:lnSpc>
                 <a:spcPct val="100000"/>
@@ -1643,6 +1691,16 @@
               <a:defRPr/>
             </a:pPr>
             <a:r>
+              <a:rPr lang="en-US" altLang="ko-KR" sz="1200" dirty="0" smtClean="0">
+                <a:solidFill>
+                  <a:schemeClr val="bg1"/>
+                </a:solidFill>
+                <a:latin typeface="나눔바른펜" panose="020B0503000000000000" pitchFamily="50" charset="-127"/>
+                <a:ea typeface="나눔바른펜" panose="020B0503000000000000" pitchFamily="50" charset="-127"/>
+              </a:rPr>
+              <a:t>PUSH(</a:t>
+            </a:r>
+            <a:r>
               <a:rPr lang="ko-KR" altLang="en-US" sz="1200" dirty="0" smtClean="0">
                 <a:solidFill>
                   <a:schemeClr val="bg1"/>
@@ -1650,7 +1708,7 @@
                 <a:latin typeface="나눔바른펜" panose="020B0503000000000000" pitchFamily="50" charset="-127"/>
                 <a:ea typeface="나눔바른펜" panose="020B0503000000000000" pitchFamily="50" charset="-127"/>
               </a:rPr>
-              <a:t>시작 자료의 주소</a:t>
+              <a:t>스택에 자료를 넣음</a:t>
             </a:r>
             <a:r>
               <a:rPr lang="en-US" altLang="ko-KR" sz="1200" dirty="0" smtClean="0">
@@ -1660,108 +1718,252 @@
                 <a:latin typeface="나눔바른펜" panose="020B0503000000000000" pitchFamily="50" charset="-127"/>
                 <a:ea typeface="나눔바른펜" panose="020B0503000000000000" pitchFamily="50" charset="-127"/>
               </a:rPr>
+              <a:t>)</a:t>
+            </a:r>
+            <a:r>
+              <a:rPr lang="ko-KR" altLang="en-US" sz="1200" dirty="0" smtClean="0">
+                <a:solidFill>
+                  <a:schemeClr val="bg1"/>
+                </a:solidFill>
+                <a:latin typeface="나눔바른펜" panose="020B0503000000000000" pitchFamily="50" charset="-127"/>
+                <a:ea typeface="나눔바른펜" panose="020B0503000000000000" pitchFamily="50" charset="-127"/>
+              </a:rPr>
+              <a:t> </a:t>
+            </a:r>
+            <a:r>
+              <a:rPr lang="en-US" altLang="ko-KR" sz="1200" dirty="0" smtClean="0">
+                <a:solidFill>
+                  <a:schemeClr val="bg1"/>
+                </a:solidFill>
+                <a:latin typeface="나눔바른펜" panose="020B0503000000000000" pitchFamily="50" charset="-127"/>
+                <a:ea typeface="나눔바른펜" panose="020B0503000000000000" pitchFamily="50" charset="-127"/>
+              </a:rPr>
+              <a:t>,</a:t>
+            </a:r>
+            <a:r>
+              <a:rPr lang="ko-KR" altLang="en-US" sz="1200" dirty="0" smtClean="0">
+                <a:solidFill>
+                  <a:schemeClr val="bg1"/>
+                </a:solidFill>
+                <a:latin typeface="나눔바른펜" panose="020B0503000000000000" pitchFamily="50" charset="-127"/>
+                <a:ea typeface="나눔바른펜" panose="020B0503000000000000" pitchFamily="50" charset="-127"/>
+              </a:rPr>
+              <a:t> </a:t>
+            </a:r>
+            <a:r>
+              <a:rPr lang="en-US" altLang="ko-KR" sz="1200" dirty="0" smtClean="0">
+                <a:solidFill>
+                  <a:schemeClr val="bg1"/>
+                </a:solidFill>
+                <a:latin typeface="나눔바른펜" panose="020B0503000000000000" pitchFamily="50" charset="-127"/>
+                <a:ea typeface="나눔바른펜" panose="020B0503000000000000" pitchFamily="50" charset="-127"/>
+              </a:rPr>
+              <a:t>POP(</a:t>
+            </a:r>
+            <a:r>
+              <a:rPr lang="ko-KR" altLang="en-US" sz="1200" dirty="0" smtClean="0">
+                <a:solidFill>
+                  <a:schemeClr val="bg1"/>
+                </a:solidFill>
+                <a:latin typeface="나눔바른펜" panose="020B0503000000000000" pitchFamily="50" charset="-127"/>
+                <a:ea typeface="나눔바른펜" panose="020B0503000000000000" pitchFamily="50" charset="-127"/>
+              </a:rPr>
+              <a:t>스택에서 자료를 뺌</a:t>
+            </a:r>
+            <a:r>
+              <a:rPr lang="en-US" altLang="ko-KR" sz="1200" dirty="0" smtClean="0">
+                <a:solidFill>
+                  <a:schemeClr val="bg1"/>
+                </a:solidFill>
+                <a:latin typeface="나눔바른펜" panose="020B0503000000000000" pitchFamily="50" charset="-127"/>
+                <a:ea typeface="나눔바른펜" panose="020B0503000000000000" pitchFamily="50" charset="-127"/>
+              </a:rPr>
+              <a:t>)</a:t>
+            </a:r>
+            <a:r>
+              <a:rPr lang="ko-KR" altLang="en-US" sz="1200" dirty="0" smtClean="0">
+                <a:solidFill>
+                  <a:schemeClr val="bg1"/>
+                </a:solidFill>
+                <a:latin typeface="나눔바른펜" panose="020B0503000000000000" pitchFamily="50" charset="-127"/>
+                <a:ea typeface="나눔바른펜" panose="020B0503000000000000" pitchFamily="50" charset="-127"/>
+              </a:rPr>
+              <a:t>에 의해 값이 </a:t>
+            </a:r>
+            <a:r>
+              <a:rPr lang="en-US" altLang="ko-KR" sz="1200" dirty="0" smtClean="0">
+                <a:solidFill>
+                  <a:schemeClr val="bg1"/>
+                </a:solidFill>
+                <a:latin typeface="나눔바른펜" panose="020B0503000000000000" pitchFamily="50" charset="-127"/>
+                <a:ea typeface="나눔바른펜" panose="020B0503000000000000" pitchFamily="50" charset="-127"/>
+              </a:rPr>
+              <a:t>4</a:t>
+            </a:r>
+            <a:r>
+              <a:rPr lang="ko-KR" altLang="en-US" sz="1200" dirty="0" smtClean="0">
+                <a:solidFill>
+                  <a:schemeClr val="bg1"/>
+                </a:solidFill>
+                <a:latin typeface="나눔바른펜" panose="020B0503000000000000" pitchFamily="50" charset="-127"/>
+                <a:ea typeface="나눔바른펜" panose="020B0503000000000000" pitchFamily="50" charset="-127"/>
+              </a:rPr>
+              <a:t>바이트씩 증감됨</a:t>
+            </a:r>
+            <a:r>
+              <a:rPr lang="en-US" altLang="ko-KR" sz="1200" dirty="0" smtClean="0">
+                <a:solidFill>
+                  <a:schemeClr val="bg1"/>
+                </a:solidFill>
+                <a:latin typeface="나눔바른펜" panose="020B0503000000000000" pitchFamily="50" charset="-127"/>
+                <a:ea typeface="나눔바른펜" panose="020B0503000000000000" pitchFamily="50" charset="-127"/>
+              </a:rPr>
+              <a:t>.</a:t>
+            </a:r>
+            <a:r>
+              <a:rPr lang="en-US" altLang="ko-KR" dirty="0" smtClean="0">
+                <a:solidFill>
+                  <a:schemeClr val="bg1"/>
+                </a:solidFill>
+              </a:rPr>
+              <a:t> </a:t>
+            </a:r>
+            <a:r>
+              <a:rPr lang="ko-KR" altLang="en-US" dirty="0" smtClean="0">
+                <a:solidFill>
+                  <a:schemeClr val="bg1"/>
+                </a:solidFill>
+              </a:rPr>
+              <a:t>프로그램 안에서 수시로 변경됨</a:t>
+            </a:r>
+            <a:r>
+              <a:rPr lang="en-US" altLang="ko-KR" dirty="0" smtClean="0">
+                <a:solidFill>
+                  <a:schemeClr val="bg1"/>
+                </a:solidFill>
+              </a:rPr>
+              <a:t>.</a:t>
+            </a:r>
+          </a:p>
+          <a:p>
+            <a:pPr marL="0" marR="0" indent="0" algn="l" defTabSz="914400" rtl="0" eaLnBrk="1" fontAlgn="auto" latinLnBrk="1" hangingPunct="1">
+              <a:lnSpc>
+                <a:spcPct val="100000"/>
+              </a:lnSpc>
+              <a:spcBef>
+                <a:spcPts val="0"/>
+              </a:spcBef>
+              <a:spcAft>
+                <a:spcPts val="0"/>
+              </a:spcAft>
+              <a:buClrTx/>
+              <a:buSzTx/>
+              <a:buFontTx/>
+              <a:buNone/>
+              <a:tabLst/>
+              <a:defRPr/>
+            </a:pPr>
+            <a:r>
+              <a:rPr lang="en-US" altLang="ko-KR" dirty="0" smtClean="0">
+                <a:solidFill>
+                  <a:schemeClr val="bg1"/>
+                </a:solidFill>
+              </a:rPr>
               <a:t>(</a:t>
             </a:r>
             <a:r>
-              <a:rPr lang="ko-KR" altLang="en-US" sz="1200" dirty="0" smtClean="0">
-                <a:solidFill>
-                  <a:schemeClr val="bg1"/>
-                </a:solidFill>
-                <a:latin typeface="나눔바른펜" panose="020B0503000000000000" pitchFamily="50" charset="-127"/>
-                <a:ea typeface="나눔바른펜" panose="020B0503000000000000" pitchFamily="50" charset="-127"/>
-              </a:rPr>
-              <a:t>오프셋 주소</a:t>
-            </a:r>
-            <a:r>
-              <a:rPr lang="en-US" altLang="ko-KR" sz="1200" dirty="0" smtClean="0">
-                <a:solidFill>
-                  <a:schemeClr val="bg1"/>
-                </a:solidFill>
-                <a:latin typeface="나눔바른펜" panose="020B0503000000000000" pitchFamily="50" charset="-127"/>
-                <a:ea typeface="나눔바른펜" panose="020B0503000000000000" pitchFamily="50" charset="-127"/>
-              </a:rPr>
-              <a:t>)</a:t>
+              <a:rPr lang="ko-KR" altLang="en-US" dirty="0" smtClean="0">
+                <a:solidFill>
+                  <a:schemeClr val="bg1"/>
+                </a:solidFill>
+              </a:rPr>
+              <a:t>특정 기준 시점을 잡아 </a:t>
             </a:r>
             <a:r>
               <a:rPr lang="en-US" altLang="ko-KR" dirty="0" smtClean="0">
                 <a:solidFill>
                   <a:schemeClr val="bg1"/>
                 </a:solidFill>
-                <a:latin typeface="나눔바른펜" panose="020B0503000000000000" pitchFamily="50" charset="-127"/>
-                <a:ea typeface="나눔바른펜" panose="020B0503000000000000" pitchFamily="50" charset="-127"/>
-              </a:rPr>
-              <a:t>SS</a:t>
+              </a:rPr>
+              <a:t>ESP</a:t>
             </a:r>
             <a:r>
               <a:rPr lang="ko-KR" altLang="en-US" dirty="0" smtClean="0">
                 <a:solidFill>
                   <a:schemeClr val="bg1"/>
                 </a:solidFill>
-                <a:latin typeface="나눔바른펜" panose="020B0503000000000000" pitchFamily="50" charset="-127"/>
-                <a:ea typeface="나눔바른펜" panose="020B0503000000000000" pitchFamily="50" charset="-127"/>
-              </a:rPr>
-              <a:t>레지스터</a:t>
+              </a:rPr>
+              <a:t>값을 </a:t>
             </a:r>
             <a:r>
               <a:rPr lang="en-US" altLang="ko-KR" dirty="0" smtClean="0">
                 <a:solidFill>
                   <a:schemeClr val="bg1"/>
                 </a:solidFill>
-                <a:latin typeface="나눔바른펜" panose="020B0503000000000000" pitchFamily="50" charset="-127"/>
-                <a:ea typeface="나눔바른펜" panose="020B0503000000000000" pitchFamily="50" charset="-127"/>
-              </a:rPr>
-              <a:t>(</a:t>
+              </a:rPr>
+              <a:t>EBP</a:t>
             </a:r>
             <a:r>
               <a:rPr lang="ko-KR" altLang="en-US" dirty="0" smtClean="0">
                 <a:solidFill>
                   <a:schemeClr val="bg1"/>
                 </a:solidFill>
-                <a:latin typeface="나눔바른펜" panose="020B0503000000000000" pitchFamily="50" charset="-127"/>
-                <a:ea typeface="나눔바른펜" panose="020B0503000000000000" pitchFamily="50" charset="-127"/>
-              </a:rPr>
-              <a:t>세그먼트 </a:t>
+              </a:rPr>
+              <a:t>에 저장하여 </a:t>
+            </a:r>
+            <a:r>
+              <a:rPr lang="en-US" altLang="ko-KR" dirty="0" smtClean="0">
+                <a:solidFill>
+                  <a:schemeClr val="bg1"/>
+                </a:solidFill>
+              </a:rPr>
+              <a:t>EBP</a:t>
+            </a:r>
+            <a:r>
+              <a:rPr lang="ko-KR" altLang="en-US" dirty="0" smtClean="0">
+                <a:solidFill>
+                  <a:schemeClr val="bg1"/>
+                </a:solidFill>
+              </a:rPr>
+              <a:t>를 기준으로 변수나 </a:t>
             </a:r>
             <a:r>
               <a:rPr lang="ko-KR" altLang="en-US" dirty="0" err="1" smtClean="0">
                 <a:solidFill>
                   <a:schemeClr val="bg1"/>
                 </a:solidFill>
-                <a:latin typeface="나눔바른펜" panose="020B0503000000000000" pitchFamily="50" charset="-127"/>
-                <a:ea typeface="나눔바른펜" panose="020B0503000000000000" pitchFamily="50" charset="-127"/>
-              </a:rPr>
-              <a:t>주소</a:t>
-            </a:r>
-            <a:r>
-              <a:rPr lang="ko-KR" altLang="en-US" sz="1200" dirty="0" err="1" smtClean="0">
-                <a:solidFill>
-                  <a:schemeClr val="bg1"/>
-                </a:solidFill>
-                <a:latin typeface="나눔바른펜" panose="020B0503000000000000" pitchFamily="50" charset="-127"/>
-                <a:ea typeface="나눔바른펜" panose="020B0503000000000000" pitchFamily="50" charset="-127"/>
-              </a:rPr>
-              <a:t>현재</a:t>
-            </a:r>
-            <a:r>
-              <a:rPr lang="ko-KR" altLang="en-US" sz="1200" dirty="0" smtClean="0">
-                <a:solidFill>
-                  <a:schemeClr val="bg1"/>
-                </a:solidFill>
-                <a:latin typeface="나눔바른펜" panose="020B0503000000000000" pitchFamily="50" charset="-127"/>
-                <a:ea typeface="나눔바른펜" panose="020B0503000000000000" pitchFamily="50" charset="-127"/>
-              </a:rPr>
-              <a:t> 사용되는 스택 프레임이 소멸되지 않는 이상 값은 변하지 않음</a:t>
-            </a:r>
-            <a:r>
-              <a:rPr lang="en-US" altLang="ko-KR" sz="1200" dirty="0" smtClean="0">
-                <a:solidFill>
-                  <a:schemeClr val="bg1"/>
-                </a:solidFill>
-                <a:latin typeface="나눔바른펜" panose="020B0503000000000000" pitchFamily="50" charset="-127"/>
-                <a:ea typeface="나눔바른펜" panose="020B0503000000000000" pitchFamily="50" charset="-127"/>
-              </a:rPr>
-              <a:t>.</a:t>
-            </a:r>
+              </a:rPr>
+              <a:t>파라미터에</a:t>
+            </a:r>
+            <a:r>
+              <a:rPr lang="ko-KR" altLang="en-US" dirty="0" smtClean="0">
+                <a:solidFill>
+                  <a:schemeClr val="bg1"/>
+                </a:solidFill>
+              </a:rPr>
+              <a:t> 접근</a:t>
+            </a:r>
+            <a:r>
+              <a:rPr lang="en-US" altLang="ko-KR" dirty="0" smtClean="0">
+                <a:solidFill>
+                  <a:schemeClr val="bg1"/>
+                </a:solidFill>
+              </a:rPr>
+              <a:t>.) </a:t>
+            </a:r>
+            <a:r>
+              <a:rPr lang="en-US" altLang="ko-KR" dirty="0" err="1" smtClean="0">
+                <a:solidFill>
+                  <a:schemeClr val="bg1"/>
+                </a:solidFill>
+              </a:rPr>
+              <a:t>sub,call</a:t>
+            </a:r>
+            <a:endParaRPr lang="en-US" altLang="ko-KR" dirty="0" smtClean="0">
+              <a:solidFill>
+                <a:schemeClr val="bg1"/>
+              </a:solidFill>
+            </a:endParaRPr>
           </a:p>
           <a:p>
             <a:endParaRPr lang="ko-KR" altLang="en-US" dirty="0"/>
@@ -1785,6 +1987,394 @@
           <a:p>
             <a:fld id="{713375B7-3858-45B5-BC6B-0C3689804A01}" type="slidenum">
               <a:rPr lang="ko-KR" altLang="en-US" smtClean="0"/>
+              <a:t>6</a:t>
+            </a:fld>
+            <a:endParaRPr lang="ko-KR" altLang="en-US"/>
+          </a:p>
+        </p:txBody>
+      </p:sp>
+    </p:spTree>
+    <p:extLst>
+      <p:ext uri="{BB962C8B-B14F-4D97-AF65-F5344CB8AC3E}">
+        <p14:creationId xmlns:p14="http://schemas.microsoft.com/office/powerpoint/2010/main" val="1630391687"/>
+      </p:ext>
+    </p:extLst>
+  </p:cSld>
+  <p:clrMapOvr>
+    <a:masterClrMapping/>
+  </p:clrMapOvr>
+</p:notes>
+</file>
+
+<file path=ppt/notesSlides/notesSlide7.xml><?xml version="1.0" encoding="utf-8"?>
+<p:notes xmlns:a="http://schemas.openxmlformats.org/drawingml/2006/main" xmlns:r="http://schemas.openxmlformats.org/officeDocument/2006/relationships" xmlns:p="http://schemas.openxmlformats.org/presentationml/2006/main">
+  <p:cSld>
+    <p:spTree>
+      <p:nvGrpSpPr>
+        <p:cNvPr id="1" name=""/>
+        <p:cNvGrpSpPr/>
+        <p:nvPr/>
+      </p:nvGrpSpPr>
+      <p:grpSpPr>
+        <a:xfrm>
+          <a:off x="0" y="0"/>
+          <a:ext cx="0" cy="0"/>
+          <a:chOff x="0" y="0"/>
+          <a:chExt cx="0" cy="0"/>
+        </a:xfrm>
+      </p:grpSpPr>
+      <p:sp>
+        <p:nvSpPr>
+          <p:cNvPr id="2" name="슬라이드 이미지 개체 틀 1"/>
+          <p:cNvSpPr>
+            <a:spLocks noGrp="1" noRot="1" noChangeAspect="1"/>
+          </p:cNvSpPr>
+          <p:nvPr>
+            <p:ph type="sldImg"/>
+          </p:nvPr>
+        </p:nvSpPr>
+        <p:spPr/>
+      </p:sp>
+      <p:sp>
+        <p:nvSpPr>
+          <p:cNvPr id="3" name="슬라이드 노트 개체 틀 2"/>
+          <p:cNvSpPr>
+            <a:spLocks noGrp="1"/>
+          </p:cNvSpPr>
+          <p:nvPr>
+            <p:ph type="body" idx="1"/>
+          </p:nvPr>
+        </p:nvSpPr>
+        <p:spPr/>
+        <p:txBody>
+          <a:bodyPr/>
+          <a:lstStyle/>
+          <a:p>
+            <a:pPr marL="0" marR="0" indent="0" algn="l" defTabSz="914400" rtl="0" eaLnBrk="1" fontAlgn="auto" latinLnBrk="1" hangingPunct="1">
+              <a:lnSpc>
+                <a:spcPct val="100000"/>
+              </a:lnSpc>
+              <a:spcBef>
+                <a:spcPts val="0"/>
+              </a:spcBef>
+              <a:spcAft>
+                <a:spcPts val="0"/>
+              </a:spcAft>
+              <a:buClrTx/>
+              <a:buSzTx/>
+              <a:buFontTx/>
+              <a:buNone/>
+              <a:tabLst/>
+              <a:defRPr/>
+            </a:pPr>
+            <a:r>
+              <a:rPr lang="ko-KR" altLang="en-US" sz="1200" dirty="0" smtClean="0">
+                <a:solidFill>
+                  <a:schemeClr val="bg1"/>
+                </a:solidFill>
+                <a:latin typeface="나눔바른펜" panose="020B0503000000000000" pitchFamily="50" charset="-127"/>
+                <a:ea typeface="나눔바른펜" panose="020B0503000000000000" pitchFamily="50" charset="-127"/>
+              </a:rPr>
+              <a:t>시작 자료의 주소</a:t>
+            </a:r>
+            <a:r>
+              <a:rPr lang="en-US" altLang="ko-KR" sz="1200" dirty="0" smtClean="0">
+                <a:solidFill>
+                  <a:schemeClr val="bg1"/>
+                </a:solidFill>
+                <a:latin typeface="나눔바른펜" panose="020B0503000000000000" pitchFamily="50" charset="-127"/>
+                <a:ea typeface="나눔바른펜" panose="020B0503000000000000" pitchFamily="50" charset="-127"/>
+              </a:rPr>
+              <a:t>(</a:t>
+            </a:r>
+            <a:r>
+              <a:rPr lang="ko-KR" altLang="en-US" sz="1200" dirty="0" smtClean="0">
+                <a:solidFill>
+                  <a:schemeClr val="bg1"/>
+                </a:solidFill>
+                <a:latin typeface="나눔바른펜" panose="020B0503000000000000" pitchFamily="50" charset="-127"/>
+                <a:ea typeface="나눔바른펜" panose="020B0503000000000000" pitchFamily="50" charset="-127"/>
+              </a:rPr>
+              <a:t>오프셋 주소</a:t>
+            </a:r>
+            <a:r>
+              <a:rPr lang="en-US" altLang="ko-KR" sz="1200" dirty="0" smtClean="0">
+                <a:solidFill>
+                  <a:schemeClr val="bg1"/>
+                </a:solidFill>
+                <a:latin typeface="나눔바른펜" panose="020B0503000000000000" pitchFamily="50" charset="-127"/>
+                <a:ea typeface="나눔바른펜" panose="020B0503000000000000" pitchFamily="50" charset="-127"/>
+              </a:rPr>
+              <a:t>)</a:t>
+            </a:r>
+            <a:r>
+              <a:rPr lang="en-US" altLang="ko-KR" dirty="0" smtClean="0">
+                <a:solidFill>
+                  <a:schemeClr val="bg1"/>
+                </a:solidFill>
+                <a:latin typeface="나눔바른펜" panose="020B0503000000000000" pitchFamily="50" charset="-127"/>
+                <a:ea typeface="나눔바른펜" panose="020B0503000000000000" pitchFamily="50" charset="-127"/>
+              </a:rPr>
+              <a:t>SS</a:t>
+            </a:r>
+            <a:r>
+              <a:rPr lang="ko-KR" altLang="en-US" dirty="0" smtClean="0">
+                <a:solidFill>
+                  <a:schemeClr val="bg1"/>
+                </a:solidFill>
+                <a:latin typeface="나눔바른펜" panose="020B0503000000000000" pitchFamily="50" charset="-127"/>
+                <a:ea typeface="나눔바른펜" panose="020B0503000000000000" pitchFamily="50" charset="-127"/>
+              </a:rPr>
+              <a:t>레지스터</a:t>
+            </a:r>
+            <a:r>
+              <a:rPr lang="en-US" altLang="ko-KR" dirty="0" smtClean="0">
+                <a:solidFill>
+                  <a:schemeClr val="bg1"/>
+                </a:solidFill>
+                <a:latin typeface="나눔바른펜" panose="020B0503000000000000" pitchFamily="50" charset="-127"/>
+                <a:ea typeface="나눔바른펜" panose="020B0503000000000000" pitchFamily="50" charset="-127"/>
+              </a:rPr>
+              <a:t>(</a:t>
+            </a:r>
+            <a:r>
+              <a:rPr lang="ko-KR" altLang="en-US" dirty="0" smtClean="0">
+                <a:solidFill>
+                  <a:schemeClr val="bg1"/>
+                </a:solidFill>
+                <a:latin typeface="나눔바른펜" panose="020B0503000000000000" pitchFamily="50" charset="-127"/>
+                <a:ea typeface="나눔바른펜" panose="020B0503000000000000" pitchFamily="50" charset="-127"/>
+              </a:rPr>
+              <a:t>세그먼트 주소</a:t>
+            </a:r>
+            <a:endParaRPr lang="en-US" altLang="ko-KR" dirty="0" smtClean="0">
+              <a:solidFill>
+                <a:schemeClr val="bg1"/>
+              </a:solidFill>
+              <a:latin typeface="나눔바른펜" panose="020B0503000000000000" pitchFamily="50" charset="-127"/>
+              <a:ea typeface="나눔바른펜" panose="020B0503000000000000" pitchFamily="50" charset="-127"/>
+            </a:endParaRPr>
+          </a:p>
+          <a:p>
+            <a:pPr marL="0" marR="0" indent="0" algn="l" defTabSz="914400" rtl="0" eaLnBrk="1" fontAlgn="auto" latinLnBrk="1" hangingPunct="1">
+              <a:lnSpc>
+                <a:spcPct val="100000"/>
+              </a:lnSpc>
+              <a:spcBef>
+                <a:spcPts val="0"/>
+              </a:spcBef>
+              <a:spcAft>
+                <a:spcPts val="0"/>
+              </a:spcAft>
+              <a:buClrTx/>
+              <a:buSzTx/>
+              <a:buFontTx/>
+              <a:buNone/>
+              <a:tabLst/>
+              <a:defRPr/>
+            </a:pPr>
+            <a:r>
+              <a:rPr lang="ko-KR" altLang="en-US" sz="1200" dirty="0" smtClean="0">
+                <a:solidFill>
+                  <a:schemeClr val="bg1"/>
+                </a:solidFill>
+                <a:latin typeface="나눔바른펜" panose="020B0503000000000000" pitchFamily="50" charset="-127"/>
+                <a:ea typeface="나눔바른펜" panose="020B0503000000000000" pitchFamily="50" charset="-127"/>
+              </a:rPr>
+              <a:t>현재 사용되는 스택 프레임이 소멸되지 않는 이상 값은 변하지 않음</a:t>
+            </a:r>
+            <a:r>
+              <a:rPr lang="en-US" altLang="ko-KR" sz="1200" dirty="0" smtClean="0">
+                <a:solidFill>
+                  <a:schemeClr val="bg1"/>
+                </a:solidFill>
+                <a:latin typeface="나눔바른펜" panose="020B0503000000000000" pitchFamily="50" charset="-127"/>
+                <a:ea typeface="나눔바른펜" panose="020B0503000000000000" pitchFamily="50" charset="-127"/>
+              </a:rPr>
+              <a:t>.</a:t>
+            </a:r>
+          </a:p>
+          <a:p>
+            <a:r>
+              <a:rPr lang="ko-KR" altLang="en-US" sz="1200" b="0" i="0" kern="1200" dirty="0" smtClean="0">
+                <a:solidFill>
+                  <a:schemeClr val="tx1"/>
+                </a:solidFill>
+                <a:effectLst/>
+                <a:latin typeface="+mn-lt"/>
+                <a:ea typeface="+mn-ea"/>
+                <a:cs typeface="+mn-cs"/>
+              </a:rPr>
+              <a:t>스택 세그먼트 </a:t>
+            </a:r>
+            <a:r>
+              <a:rPr lang="en-US" altLang="ko-KR" sz="1200" b="0" i="0" kern="1200" dirty="0" smtClean="0">
+                <a:solidFill>
+                  <a:schemeClr val="tx1"/>
+                </a:solidFill>
+                <a:effectLst/>
+                <a:latin typeface="+mn-lt"/>
+                <a:ea typeface="+mn-ea"/>
+                <a:cs typeface="+mn-cs"/>
+              </a:rPr>
+              <a:t>SS</a:t>
+            </a:r>
+            <a:r>
+              <a:rPr lang="ko-KR" altLang="en-US" sz="1200" b="0" i="0" kern="1200" dirty="0" err="1" smtClean="0">
+                <a:solidFill>
+                  <a:schemeClr val="tx1"/>
+                </a:solidFill>
+                <a:effectLst/>
+                <a:latin typeface="+mn-lt"/>
+                <a:ea typeface="+mn-ea"/>
+                <a:cs typeface="+mn-cs"/>
+              </a:rPr>
+              <a:t>영역내에</a:t>
+            </a:r>
+            <a:r>
+              <a:rPr lang="ko-KR" altLang="en-US" sz="1200" b="0" i="0" kern="1200" dirty="0" smtClean="0">
+                <a:solidFill>
+                  <a:schemeClr val="tx1"/>
+                </a:solidFill>
+                <a:effectLst/>
+                <a:latin typeface="+mn-lt"/>
+                <a:ea typeface="+mn-ea"/>
+                <a:cs typeface="+mn-cs"/>
+              </a:rPr>
+              <a:t> 배치한 </a:t>
+            </a:r>
+            <a:r>
+              <a:rPr lang="ko-KR" altLang="en-US" sz="1200" b="0" i="0" kern="1200" dirty="0" err="1" smtClean="0">
+                <a:solidFill>
+                  <a:schemeClr val="tx1"/>
+                </a:solidFill>
+                <a:effectLst/>
+                <a:latin typeface="+mn-lt"/>
+                <a:ea typeface="+mn-ea"/>
+                <a:cs typeface="+mn-cs"/>
+              </a:rPr>
+              <a:t>데이타에</a:t>
+            </a:r>
+            <a:r>
+              <a:rPr lang="ko-KR" altLang="en-US" sz="1200" b="0" i="0" kern="1200" dirty="0" smtClean="0">
+                <a:solidFill>
+                  <a:schemeClr val="tx1"/>
+                </a:solidFill>
+                <a:effectLst/>
+                <a:latin typeface="+mn-lt"/>
+                <a:ea typeface="+mn-ea"/>
+                <a:cs typeface="+mn-cs"/>
+              </a:rPr>
+              <a:t> 대한 베이스 주소를 저장해 두기 위해 사용된다</a:t>
+            </a:r>
+            <a:r>
+              <a:rPr lang="en-US" altLang="ko-KR" sz="1200" b="0" i="0" kern="1200" dirty="0" smtClean="0">
+                <a:solidFill>
+                  <a:schemeClr val="tx1"/>
+                </a:solidFill>
+                <a:effectLst/>
+                <a:latin typeface="+mn-lt"/>
+                <a:ea typeface="+mn-ea"/>
+                <a:cs typeface="+mn-cs"/>
+              </a:rPr>
+              <a:t>.</a:t>
+            </a:r>
+            <a:r>
+              <a:rPr lang="ko-KR" altLang="en-US" dirty="0" smtClean="0"/>
+              <a:t/>
+            </a:r>
+            <a:br>
+              <a:rPr lang="ko-KR" altLang="en-US" dirty="0" smtClean="0"/>
+            </a:br>
+            <a:r>
+              <a:rPr lang="ko-KR" altLang="en-US" dirty="0" smtClean="0"/>
+              <a:t/>
+            </a:r>
+            <a:br>
+              <a:rPr lang="ko-KR" altLang="en-US" dirty="0" smtClean="0"/>
+            </a:br>
+            <a:r>
+              <a:rPr lang="ko-KR" altLang="en-US" sz="1200" b="0" i="0" kern="1200" dirty="0" smtClean="0">
+                <a:solidFill>
+                  <a:schemeClr val="tx1"/>
+                </a:solidFill>
+                <a:effectLst/>
+                <a:latin typeface="+mn-lt"/>
+                <a:ea typeface="+mn-ea"/>
+                <a:cs typeface="+mn-cs"/>
+              </a:rPr>
+              <a:t>출처</a:t>
+            </a:r>
+            <a:r>
+              <a:rPr lang="en-US" altLang="ko-KR" sz="1200" b="0" i="0" kern="1200" dirty="0" smtClean="0">
+                <a:solidFill>
+                  <a:schemeClr val="tx1"/>
+                </a:solidFill>
+                <a:effectLst/>
+                <a:latin typeface="+mn-lt"/>
+                <a:ea typeface="+mn-ea"/>
+                <a:cs typeface="+mn-cs"/>
+              </a:rPr>
+              <a:t>: </a:t>
+            </a:r>
+            <a:r>
+              <a:rPr lang="en-US" altLang="ko-KR" sz="1200" b="0" i="0" u="none" strike="noStrike" kern="1200" dirty="0" smtClean="0">
+                <a:solidFill>
+                  <a:schemeClr val="tx1"/>
+                </a:solidFill>
+                <a:effectLst/>
+                <a:latin typeface="+mn-lt"/>
+                <a:ea typeface="+mn-ea"/>
+                <a:cs typeface="+mn-cs"/>
+                <a:hlinkClick r:id="rId3"/>
+              </a:rPr>
+              <a:t>http://insaneness.tistory.com/16</a:t>
+            </a:r>
+            <a:r>
+              <a:rPr lang="ko-KR" altLang="en-US" sz="1200" b="0" i="0" kern="1200" dirty="0" smtClean="0">
+                <a:solidFill>
+                  <a:schemeClr val="tx1"/>
+                </a:solidFill>
+                <a:effectLst/>
+                <a:latin typeface="+mn-lt"/>
+                <a:ea typeface="+mn-ea"/>
+                <a:cs typeface="+mn-cs"/>
+              </a:rPr>
+              <a:t> </a:t>
+            </a:r>
+            <a:r>
+              <a:rPr lang="en-US" altLang="ko-KR" sz="1200" b="0" i="0" kern="1200" dirty="0" smtClean="0">
+                <a:solidFill>
+                  <a:schemeClr val="tx1"/>
+                </a:solidFill>
+                <a:effectLst/>
+                <a:latin typeface="+mn-lt"/>
+                <a:ea typeface="+mn-ea"/>
+                <a:cs typeface="+mn-cs"/>
+              </a:rPr>
+              <a:t>[Insanity's storage.]</a:t>
+            </a:r>
+            <a:endParaRPr lang="ko-KR" altLang="en-US" dirty="0"/>
+          </a:p>
+        </p:txBody>
+      </p:sp>
+      <p:sp>
+        <p:nvSpPr>
+          <p:cNvPr id="4" name="슬라이드 번호 개체 틀 3"/>
+          <p:cNvSpPr>
+            <a:spLocks noGrp="1"/>
+          </p:cNvSpPr>
+          <p:nvPr>
+            <p:ph type="sldNum" sz="quarter" idx="10"/>
+          </p:nvPr>
+        </p:nvSpPr>
+        <p:spPr/>
+        <p:txBody>
+          <a:bodyPr/>
+          <a:lstStyle/>
+          <a:p>
+            <a:fld id="{713375B7-3858-45B5-BC6B-0C3689804A01}" type="slidenum">
+              <a:rPr lang="ko-KR" altLang="en-US" smtClean="0"/>
               <a:t>8</a:t>
             </a:fld>
             <a:endParaRPr lang="ko-KR" altLang="en-US"/>
@@ -1804,7 +2394,7 @@
 </p:notes>
 </file>
 
-<file path=ppt/notesSlides/notesSlide5.xml><?xml version="1.0" encoding="utf-8"?>
+<file path=ppt/notesSlides/notesSlide8.xml><?xml version="1.0" encoding="utf-8"?>
 <p:notes xmlns:a="http://schemas.openxmlformats.org/drawingml/2006/main" xmlns:r="http://schemas.openxmlformats.org/officeDocument/2006/relationships" xmlns:p="http://schemas.openxmlformats.org/presentationml/2006/main">
   <p:cSld>
     <p:spTree>
@@ -4008,13 +4598,13 @@
   <p:clrMapOvr>
     <a:masterClrMapping/>
   </p:clrMapOvr>
-  <mc:AlternateContent xmlns:mc="http://schemas.openxmlformats.org/markup-compatibility/2006">
-    <mc:Choice xmlns:p14="http://schemas.microsoft.com/office/powerpoint/2010/main" Requires="p14">
+  <mc:AlternateContent xmlns:mc="http://schemas.openxmlformats.org/markup-compatibility/2006" xmlns:p14="http://schemas.microsoft.com/office/powerpoint/2010/main">
+    <mc:Choice Requires="p14">
       <p:transition spd="med" p14:dur="700">
         <p:fade/>
       </p:transition>
     </mc:Choice>
-    <mc:Fallback>
+    <mc:Fallback xmlns="">
       <p:transition spd="med">
         <p:fade/>
       </p:transition>
@@ -4388,14 +4978,7 @@
                 <a:latin typeface="Noto Sans CJK KR DemiLight" panose="020B0400000000000000" pitchFamily="34" charset="-127"/>
                 <a:ea typeface="Noto Sans CJK KR DemiLight" panose="020B0400000000000000" pitchFamily="34" charset="-127"/>
               </a:rPr>
-              <a:t>003/     </a:t>
-            </a:r>
-            <a:r>
-              <a:rPr lang="en-US" altLang="ko-KR" sz="1600" dirty="0" smtClean="0">
-                <a:latin typeface="Noto Sans CJK KR DemiLight" panose="020B0400000000000000" pitchFamily="34" charset="-127"/>
-                <a:ea typeface="Noto Sans CJK KR DemiLight" panose="020B0400000000000000" pitchFamily="34" charset="-127"/>
-              </a:rPr>
-              <a:t>ESP </a:t>
+              <a:t>003/     ESP </a:t>
             </a:r>
             <a:endParaRPr lang="ko-KR" altLang="en-US" sz="1600" dirty="0">
               <a:latin typeface="Noto Sans CJK KR DemiLight" panose="020B0400000000000000" pitchFamily="34" charset="-127"/>
@@ -4432,14 +5015,7 @@
                 <a:latin typeface="Noto Sans CJK KR DemiLight" panose="020B0400000000000000" pitchFamily="34" charset="-127"/>
                 <a:ea typeface="Noto Sans CJK KR DemiLight" panose="020B0400000000000000" pitchFamily="34" charset="-127"/>
               </a:rPr>
-              <a:t>004/     </a:t>
-            </a:r>
-            <a:r>
-              <a:rPr lang="en-US" altLang="ko-KR" sz="1600" dirty="0" smtClean="0">
-                <a:latin typeface="Noto Sans CJK KR DemiLight" panose="020B0400000000000000" pitchFamily="34" charset="-127"/>
-                <a:ea typeface="Noto Sans CJK KR DemiLight" panose="020B0400000000000000" pitchFamily="34" charset="-127"/>
-              </a:rPr>
-              <a:t>EBP</a:t>
+              <a:t>004/     EBP</a:t>
             </a:r>
             <a:endParaRPr lang="ko-KR" altLang="en-US" sz="1600" dirty="0">
               <a:latin typeface="Noto Sans CJK KR DemiLight" panose="020B0400000000000000" pitchFamily="34" charset="-127"/>
@@ -4853,7 +5429,7 @@
         <p:spPr>
           <a:xfrm>
             <a:off x="467544" y="987574"/>
-            <a:ext cx="8064896" cy="2551724"/>
+            <a:ext cx="8064896" cy="2585323"/>
           </a:xfrm>
           <a:prstGeom prst="rect">
             <a:avLst/>
@@ -4913,7 +5489,27 @@
                 <a:latin typeface="나눔바른펜" panose="020B0503000000000000" pitchFamily="50" charset="-127"/>
                 <a:ea typeface="나눔바른펜" panose="020B0503000000000000" pitchFamily="50" charset="-127"/>
               </a:rPr>
-              <a:t>전용 레지스터</a:t>
+              <a:t>범</a:t>
+            </a:r>
+            <a:r>
+              <a:rPr lang="ko-KR" altLang="en-US" sz="1600" dirty="0" smtClean="0">
+                <a:solidFill>
+                  <a:schemeClr val="bg1"/>
+                </a:solidFill>
+                <a:latin typeface="나눔바른펜" panose="020B0503000000000000" pitchFamily="50" charset="-127"/>
+                <a:ea typeface="나눔바른펜" panose="020B0503000000000000" pitchFamily="50" charset="-127"/>
+              </a:rPr>
+              <a:t>용 </a:t>
+            </a:r>
+            <a:r>
+              <a:rPr lang="ko-KR" altLang="en-US" sz="1600" dirty="0" smtClean="0">
+                <a:solidFill>
+                  <a:schemeClr val="bg1"/>
+                </a:solidFill>
+                <a:latin typeface="나눔바른펜" panose="020B0503000000000000" pitchFamily="50" charset="-127"/>
+                <a:ea typeface="나눔바른펜" panose="020B0503000000000000" pitchFamily="50" charset="-127"/>
+              </a:rPr>
+              <a:t>레지스터</a:t>
             </a:r>
             <a:r>
               <a:rPr lang="en-US" altLang="ko-KR" sz="1600" dirty="0" smtClean="0">
@@ -4926,6 +5522,16 @@
               <a:t>	▶ </a:t>
             </a:r>
             <a:r>
+              <a:rPr lang="ko-KR" altLang="en-US" sz="1600" dirty="0">
+                <a:solidFill>
+                  <a:schemeClr val="bg1"/>
+                </a:solidFill>
+                <a:latin typeface="나눔바른펜" panose="020B0503000000000000" pitchFamily="50" charset="-127"/>
+                <a:ea typeface="나눔바른펜" panose="020B0503000000000000" pitchFamily="50" charset="-127"/>
+              </a:rPr>
+              <a:t>전</a:t>
+            </a:r>
+            <a:r>
               <a:rPr lang="ko-KR" altLang="en-US" sz="1600" dirty="0" smtClean="0">
                 <a:solidFill>
                   <a:schemeClr val="bg1"/>
@@ -4933,7 +5539,7 @@
                 <a:latin typeface="나눔바른펜" panose="020B0503000000000000" pitchFamily="50" charset="-127"/>
                 <a:ea typeface="나눔바른펜" panose="020B0503000000000000" pitchFamily="50" charset="-127"/>
               </a:rPr>
-              <a:t>범용레지스터</a:t>
+              <a:t>용레지스터</a:t>
             </a:r>
             <a:endParaRPr lang="en-US" altLang="ko-KR" sz="1600" dirty="0" smtClean="0">
               <a:solidFill>
@@ -5642,7 +6248,27 @@
                 <a:latin typeface="나눔바른펜" panose="020B0503000000000000" pitchFamily="50" charset="-127"/>
                 <a:ea typeface="나눔바른펜" panose="020B0503000000000000" pitchFamily="50" charset="-127"/>
               </a:rPr>
-              <a:t>‘</a:t>
+              <a:t>‘E’,  </a:t>
+            </a:r>
+            <a:r>
+              <a:rPr lang="en-US" altLang="ko-KR" dirty="0">
+                <a:solidFill>
+                  <a:schemeClr val="bg1"/>
+                </a:solidFill>
+                <a:latin typeface="나눔바른펜" panose="020B0503000000000000" pitchFamily="50" charset="-127"/>
+                <a:ea typeface="나눔바른펜" panose="020B0503000000000000" pitchFamily="50" charset="-127"/>
+              </a:rPr>
+              <a:t>64</a:t>
+            </a:r>
+            <a:r>
+              <a:rPr lang="ko-KR" altLang="en-US" dirty="0" smtClean="0">
+                <a:solidFill>
+                  <a:schemeClr val="bg1"/>
+                </a:solidFill>
+                <a:latin typeface="나눔바른펜" panose="020B0503000000000000" pitchFamily="50" charset="-127"/>
+                <a:ea typeface="나눔바른펜" panose="020B0503000000000000" pitchFamily="50" charset="-127"/>
+              </a:rPr>
+              <a:t>비트 프로세서는 </a:t>
             </a:r>
             <a:r>
               <a:rPr lang="en-US" altLang="ko-KR" dirty="0" smtClean="0">
@@ -5652,77 +6278,7 @@
                 <a:latin typeface="나눔바른펜" panose="020B0503000000000000" pitchFamily="50" charset="-127"/>
                 <a:ea typeface="나눔바른펜" panose="020B0503000000000000" pitchFamily="50" charset="-127"/>
               </a:rPr>
-              <a:t>E</a:t>
-            </a:r>
-            <a:r>
-              <a:rPr lang="en-US" altLang="ko-KR" dirty="0" smtClean="0">
-                <a:solidFill>
-                  <a:schemeClr val="bg1"/>
-                </a:solidFill>
-                <a:latin typeface="나눔바른펜" panose="020B0503000000000000" pitchFamily="50" charset="-127"/>
-                <a:ea typeface="나눔바른펜" panose="020B0503000000000000" pitchFamily="50" charset="-127"/>
-              </a:rPr>
-              <a:t>’</a:t>
-            </a:r>
-            <a:r>
-              <a:rPr lang="en-US" altLang="ko-KR" dirty="0" smtClean="0">
-                <a:solidFill>
-                  <a:schemeClr val="bg1"/>
-                </a:solidFill>
-                <a:latin typeface="나눔바른펜" panose="020B0503000000000000" pitchFamily="50" charset="-127"/>
-                <a:ea typeface="나눔바른펜" panose="020B0503000000000000" pitchFamily="50" charset="-127"/>
-              </a:rPr>
-              <a:t>,  </a:t>
-            </a:r>
-            <a:r>
-              <a:rPr lang="en-US" altLang="ko-KR" dirty="0">
-                <a:solidFill>
-                  <a:schemeClr val="bg1"/>
-                </a:solidFill>
-                <a:latin typeface="나눔바른펜" panose="020B0503000000000000" pitchFamily="50" charset="-127"/>
-                <a:ea typeface="나눔바른펜" panose="020B0503000000000000" pitchFamily="50" charset="-127"/>
-              </a:rPr>
-              <a:t>64</a:t>
-            </a:r>
-            <a:r>
-              <a:rPr lang="ko-KR" altLang="en-US" dirty="0" smtClean="0">
-                <a:solidFill>
-                  <a:schemeClr val="bg1"/>
-                </a:solidFill>
-                <a:latin typeface="나눔바른펜" panose="020B0503000000000000" pitchFamily="50" charset="-127"/>
-                <a:ea typeface="나눔바른펜" panose="020B0503000000000000" pitchFamily="50" charset="-127"/>
-              </a:rPr>
-              <a:t>비트 </a:t>
-            </a:r>
-            <a:r>
-              <a:rPr lang="ko-KR" altLang="en-US" dirty="0" smtClean="0">
-                <a:solidFill>
-                  <a:schemeClr val="bg1"/>
-                </a:solidFill>
-                <a:latin typeface="나눔바른펜" panose="020B0503000000000000" pitchFamily="50" charset="-127"/>
-                <a:ea typeface="나눔바른펜" panose="020B0503000000000000" pitchFamily="50" charset="-127"/>
-              </a:rPr>
-              <a:t>프로세서는 </a:t>
-            </a:r>
-            <a:r>
-              <a:rPr lang="en-US" altLang="ko-KR" dirty="0" smtClean="0">
-                <a:solidFill>
-                  <a:schemeClr val="bg1"/>
-                </a:solidFill>
-                <a:latin typeface="나눔바른펜" panose="020B0503000000000000" pitchFamily="50" charset="-127"/>
-                <a:ea typeface="나눔바른펜" panose="020B0503000000000000" pitchFamily="50" charset="-127"/>
-              </a:rPr>
-              <a:t>‘</a:t>
-            </a:r>
-            <a:r>
-              <a:rPr lang="en-US" altLang="ko-KR" dirty="0" smtClean="0">
-                <a:solidFill>
-                  <a:schemeClr val="bg1"/>
-                </a:solidFill>
-                <a:latin typeface="나눔바른펜" panose="020B0503000000000000" pitchFamily="50" charset="-127"/>
-                <a:ea typeface="나눔바른펜" panose="020B0503000000000000" pitchFamily="50" charset="-127"/>
-              </a:rPr>
-              <a:t>R’ </a:t>
+              <a:t>‘R’ </a:t>
             </a:r>
             <a:r>
               <a:rPr lang="ko-KR" altLang="en-US" dirty="0" smtClean="0">
@@ -7062,27 +7618,7 @@
                 <a:latin typeface="나눔바른펜" panose="020B0503000000000000" pitchFamily="50" charset="-127"/>
                 <a:ea typeface="나눔바른펜" panose="020B0503000000000000" pitchFamily="50" charset="-127"/>
               </a:rPr>
-              <a:t> </a:t>
-            </a:r>
-            <a:r>
-              <a:rPr lang="ko-KR" altLang="en-US" sz="2000" dirty="0" smtClean="0">
-                <a:solidFill>
-                  <a:schemeClr val="bg1"/>
-                </a:solidFill>
-                <a:latin typeface="나눔바른펜" panose="020B0503000000000000" pitchFamily="50" charset="-127"/>
-                <a:ea typeface="나눔바른펜" panose="020B0503000000000000" pitchFamily="50" charset="-127"/>
-              </a:rPr>
-              <a:t>새로운 함수가 </a:t>
-            </a:r>
-            <a:r>
-              <a:rPr lang="ko-KR" altLang="en-US" sz="2000" dirty="0" smtClean="0">
-                <a:solidFill>
-                  <a:schemeClr val="bg1"/>
-                </a:solidFill>
-                <a:latin typeface="나눔바른펜" panose="020B0503000000000000" pitchFamily="50" charset="-127"/>
-                <a:ea typeface="나눔바른펜" panose="020B0503000000000000" pitchFamily="50" charset="-127"/>
-              </a:rPr>
-              <a:t>호출되거나</a:t>
+              <a:t> 새로운 함수가 호출되거나</a:t>
             </a:r>
             <a:endParaRPr lang="en-US" altLang="ko-KR" sz="2000" dirty="0" smtClean="0">
               <a:solidFill>
@@ -7126,47 +7662,7 @@
                 <a:latin typeface="나눔바른펜" panose="020B0503000000000000" pitchFamily="50" charset="-127"/>
                 <a:ea typeface="나눔바른펜" panose="020B0503000000000000" pitchFamily="50" charset="-127"/>
               </a:rPr>
-              <a:t>현재 </a:t>
-            </a:r>
-            <a:r>
-              <a:rPr lang="ko-KR" altLang="en-US" sz="2000" dirty="0" smtClean="0">
-                <a:solidFill>
-                  <a:schemeClr val="bg1"/>
-                </a:solidFill>
-                <a:latin typeface="나눔바른펜" panose="020B0503000000000000" pitchFamily="50" charset="-127"/>
-                <a:ea typeface="나눔바른펜" panose="020B0503000000000000" pitchFamily="50" charset="-127"/>
-              </a:rPr>
-              <a:t>실행중인 함수가 </a:t>
-            </a:r>
-            <a:r>
-              <a:rPr lang="ko-KR" altLang="en-US" sz="2000" dirty="0" smtClean="0">
-                <a:solidFill>
-                  <a:schemeClr val="bg1"/>
-                </a:solidFill>
-                <a:latin typeface="나눔바른펜" panose="020B0503000000000000" pitchFamily="50" charset="-127"/>
-                <a:ea typeface="나눔바른펜" panose="020B0503000000000000" pitchFamily="50" charset="-127"/>
-              </a:rPr>
-              <a:t>종료될 </a:t>
-            </a:r>
-            <a:r>
-              <a:rPr lang="ko-KR" altLang="en-US" sz="2000" dirty="0" smtClean="0">
-                <a:solidFill>
-                  <a:schemeClr val="bg1"/>
-                </a:solidFill>
-                <a:latin typeface="나눔바른펜" panose="020B0503000000000000" pitchFamily="50" charset="-127"/>
-                <a:ea typeface="나눔바른펜" panose="020B0503000000000000" pitchFamily="50" charset="-127"/>
-              </a:rPr>
-              <a:t>때마다 </a:t>
-            </a:r>
-            <a:r>
-              <a:rPr lang="ko-KR" altLang="en-US" sz="2000" dirty="0" smtClean="0">
-                <a:solidFill>
-                  <a:schemeClr val="bg1"/>
-                </a:solidFill>
-                <a:latin typeface="나눔바른펜" panose="020B0503000000000000" pitchFamily="50" charset="-127"/>
-                <a:ea typeface="나눔바른펜" panose="020B0503000000000000" pitchFamily="50" charset="-127"/>
-              </a:rPr>
-              <a:t>값이 변경됨</a:t>
+              <a:t>현재 실행중인 함수가 종료될 때마다 값이 변경됨</a:t>
             </a:r>
             <a:r>
               <a:rPr lang="en-US" altLang="ko-KR" sz="2000" dirty="0" smtClean="0">
@@ -7646,17 +8142,7 @@
                 <a:latin typeface="나눔바른펜" panose="020B0503000000000000" pitchFamily="50" charset="-127"/>
                 <a:ea typeface="나눔바른펜" panose="020B0503000000000000" pitchFamily="50" charset="-127"/>
               </a:rPr>
-              <a:t>▶ </a:t>
-            </a:r>
-            <a:r>
-              <a:rPr lang="ko-KR" altLang="en-US" sz="2000" dirty="0" smtClean="0">
-                <a:solidFill>
-                  <a:schemeClr val="bg1"/>
-                </a:solidFill>
-                <a:latin typeface="나눔바른펜" panose="020B0503000000000000" pitchFamily="50" charset="-127"/>
-                <a:ea typeface="나눔바른펜" panose="020B0503000000000000" pitchFamily="50" charset="-127"/>
-              </a:rPr>
-              <a:t>프로그래머가 직접적으로 쓰기</a:t>
+              <a:t>▶ 프로그래머가 직접적으로 쓰기</a:t>
             </a:r>
             <a:r>
               <a:rPr lang="en-US" altLang="ko-KR" sz="2000" dirty="0" smtClean="0">
@@ -7703,17 +8189,7 @@
                 <a:latin typeface="나눔바른펜" panose="020B0503000000000000" pitchFamily="50" charset="-127"/>
                 <a:ea typeface="나눔바른펜" panose="020B0503000000000000" pitchFamily="50" charset="-127"/>
               </a:rPr>
-              <a:t>    수행되는 </a:t>
-            </a:r>
-            <a:r>
-              <a:rPr lang="ko-KR" altLang="en-US" sz="2000" dirty="0" smtClean="0">
-                <a:solidFill>
-                  <a:schemeClr val="bg1"/>
-                </a:solidFill>
-                <a:latin typeface="나눔바른펜" panose="020B0503000000000000" pitchFamily="50" charset="-127"/>
-                <a:ea typeface="나눔바른펜" panose="020B0503000000000000" pitchFamily="50" charset="-127"/>
-              </a:rPr>
-              <a:t>명령어에 의해 자동으로 값이 변경됨</a:t>
+              <a:t>    수행되는 명령어에 의해 자동으로 값이 변경됨</a:t>
             </a:r>
             <a:r>
               <a:rPr lang="en-US" altLang="ko-KR" sz="2000" dirty="0" smtClean="0">
@@ -7740,17 +8216,7 @@
                 <a:latin typeface="나눔바른펜" panose="020B0503000000000000" pitchFamily="50" charset="-127"/>
                 <a:ea typeface="나눔바른펜" panose="020B0503000000000000" pitchFamily="50" charset="-127"/>
               </a:rPr>
-              <a:t>▶ </a:t>
-            </a:r>
-            <a:r>
-              <a:rPr lang="ko-KR" altLang="en-US" sz="2000" dirty="0" smtClean="0">
-                <a:solidFill>
-                  <a:schemeClr val="bg1"/>
-                </a:solidFill>
-                <a:latin typeface="나눔바른펜" panose="020B0503000000000000" pitchFamily="50" charset="-127"/>
-                <a:ea typeface="나눔바른펜" panose="020B0503000000000000" pitchFamily="50" charset="-127"/>
-              </a:rPr>
-              <a:t>세그먼트 레지스터인 </a:t>
+              <a:t>▶ 세그먼트 레지스터인 </a:t>
             </a:r>
             <a:r>
               <a:rPr lang="en-US" altLang="ko-KR" sz="2000" dirty="0" smtClean="0">
